--- a/files/CS373/SOTF_Overview.pptx
+++ b/files/CS373/SOTF_Overview.pptx
@@ -2,10 +2,10 @@
 <file path=ppt/presentation.xml><?xml version="1.0" encoding="utf-8"?>
 <p:presentation xmlns:a="http://schemas.openxmlformats.org/drawingml/2006/main" xmlns:r="http://schemas.openxmlformats.org/officeDocument/2006/relationships" xmlns:p="http://schemas.openxmlformats.org/presentationml/2006/main" saveSubsetFonts="1" autoCompressPictures="0">
   <p:sldMasterIdLst>
-    <p:sldMasterId id="2147483648" r:id="rId1"/>
+    <p:sldMasterId id="2147483660" r:id="rId1"/>
   </p:sldMasterIdLst>
   <p:sldIdLst>
-    <p:sldId id="256" r:id="rId2"/>
+    <p:sldId id="267" r:id="rId2"/>
   </p:sldIdLst>
   <p:sldSz cx="12192000" cy="6858000"/>
   <p:notesSz cx="6858000" cy="9144000"/>
@@ -868,7 +868,13 @@
     </dgm:pt>
     <dgm:pt modelId="{75BB45AC-B79B-B946-B5BD-E014C8769EE8}">
       <dgm:prSet phldrT="[Text]" custT="1"/>
-      <dgm:spPr/>
+      <dgm:spPr>
+        <a:solidFill>
+          <a:schemeClr val="accent1">
+            <a:lumMod val="50000"/>
+          </a:schemeClr>
+        </a:solidFill>
+      </dgm:spPr>
       <dgm:t>
         <a:bodyPr/>
         <a:lstStyle/>
@@ -948,7 +954,13 @@
     </dgm:pt>
     <dgm:pt modelId="{6055B70D-779C-D646-9C2D-27DF907E83A2}">
       <dgm:prSet phldrT="[Text]" custT="1"/>
-      <dgm:spPr/>
+      <dgm:spPr>
+        <a:solidFill>
+          <a:schemeClr val="accent1">
+            <a:lumMod val="50000"/>
+          </a:schemeClr>
+        </a:solidFill>
+      </dgm:spPr>
       <dgm:t>
         <a:bodyPr/>
         <a:lstStyle/>
@@ -1031,7 +1043,13 @@
     </dgm:pt>
     <dgm:pt modelId="{16F55EF9-3687-4245-85D6-2D6E00811466}">
       <dgm:prSet phldrT="[Text]" custT="1"/>
-      <dgm:spPr/>
+      <dgm:spPr>
+        <a:solidFill>
+          <a:schemeClr val="accent1">
+            <a:lumMod val="50000"/>
+          </a:schemeClr>
+        </a:solidFill>
+      </dgm:spPr>
       <dgm:t>
         <a:bodyPr/>
         <a:lstStyle/>
@@ -1057,7 +1075,7 @@
                 <a:schemeClr val="bg1"/>
               </a:solidFill>
             </a:rPr>
-            <a:t>Discover resources</a:t>
+            <a:t>Phase C: Expertise</a:t>
           </a:r>
         </a:p>
         <a:p>
@@ -1067,7 +1085,7 @@
                 <a:schemeClr val="bg1"/>
               </a:solidFill>
             </a:rPr>
-            <a:t>Identify and learn what you don’t know</a:t>
+            <a:t>Phase B: Robust Mental Model</a:t>
           </a:r>
         </a:p>
         <a:p>
@@ -1077,7 +1095,7 @@
                 <a:schemeClr val="bg1"/>
               </a:solidFill>
             </a:rPr>
-            <a:t>Understand multiple perspectives and approaches</a:t>
+            <a:t>Phase A: Preliminary Mental Model</a:t>
           </a:r>
         </a:p>
       </dgm:t>
@@ -1245,13 +1263,10 @@
         </a:prstGeom>
         <a:solidFill>
           <a:schemeClr val="accent1">
-            <a:hueOff val="0"/>
-            <a:satOff val="0"/>
-            <a:lumOff val="0"/>
-            <a:alphaOff val="0"/>
+            <a:lumMod val="50000"/>
           </a:schemeClr>
         </a:solidFill>
-        <a:ln w="19050" cap="flat" cmpd="sng" algn="ctr">
+        <a:ln w="15875" cap="flat" cmpd="sng" algn="ctr">
           <a:solidFill>
             <a:schemeClr val="lt1">
               <a:hueOff val="0"/>
@@ -1261,7 +1276,6 @@
             </a:schemeClr>
           </a:solidFill>
           <a:prstDash val="solid"/>
-          <a:miter lim="800000"/>
         </a:ln>
         <a:effectLst/>
       </dsp:spPr>
@@ -1397,13 +1411,10 @@
         </a:prstGeom>
         <a:solidFill>
           <a:schemeClr val="accent1">
-            <a:hueOff val="0"/>
-            <a:satOff val="0"/>
-            <a:lumOff val="0"/>
-            <a:alphaOff val="0"/>
+            <a:lumMod val="50000"/>
           </a:schemeClr>
         </a:solidFill>
-        <a:ln w="19050" cap="flat" cmpd="sng" algn="ctr">
+        <a:ln w="15875" cap="flat" cmpd="sng" algn="ctr">
           <a:solidFill>
             <a:schemeClr val="lt1">
               <a:hueOff val="0"/>
@@ -1413,7 +1424,6 @@
             </a:schemeClr>
           </a:solidFill>
           <a:prstDash val="solid"/>
-          <a:miter lim="800000"/>
         </a:ln>
         <a:effectLst/>
       </dsp:spPr>
@@ -1552,13 +1562,10 @@
         </a:prstGeom>
         <a:solidFill>
           <a:schemeClr val="accent1">
-            <a:hueOff val="0"/>
-            <a:satOff val="0"/>
-            <a:lumOff val="0"/>
-            <a:alphaOff val="0"/>
+            <a:lumMod val="50000"/>
           </a:schemeClr>
         </a:solidFill>
-        <a:ln w="19050" cap="flat" cmpd="sng" algn="ctr">
+        <a:ln w="15875" cap="flat" cmpd="sng" algn="ctr">
           <a:solidFill>
             <a:schemeClr val="lt1">
               <a:hueOff val="0"/>
@@ -1568,7 +1575,6 @@
             </a:schemeClr>
           </a:solidFill>
           <a:prstDash val="solid"/>
-          <a:miter lim="800000"/>
         </a:ln>
         <a:effectLst/>
       </dsp:spPr>
@@ -1637,7 +1643,7 @@
                 <a:schemeClr val="bg1"/>
               </a:solidFill>
             </a:rPr>
-            <a:t>Discover resources</a:t>
+            <a:t>Phase C: Expertise</a:t>
           </a:r>
         </a:p>
         <a:p>
@@ -1659,7 +1665,7 @@
                 <a:schemeClr val="bg1"/>
               </a:solidFill>
             </a:rPr>
-            <a:t>Identify and learn what you don’t know</a:t>
+            <a:t>Phase B: Robust Mental Model</a:t>
           </a:r>
         </a:p>
         <a:p>
@@ -1681,7 +1687,7 @@
                 <a:schemeClr val="bg1"/>
               </a:solidFill>
             </a:rPr>
-            <a:t>Understand multiple perspectives and approaches</a:t>
+            <a:t>Phase A: Preliminary Mental Model</a:t>
           </a:r>
         </a:p>
       </dsp:txBody>
@@ -2961,7 +2967,7 @@
 </file>
 
 <file path=ppt/slideLayouts/slideLayout1.xml><?xml version="1.0" encoding="utf-8"?>
-<p:sldLayout xmlns:a="http://schemas.openxmlformats.org/drawingml/2006/main" xmlns:r="http://schemas.openxmlformats.org/officeDocument/2006/relationships" xmlns:p="http://schemas.openxmlformats.org/presentationml/2006/main" type="title" preserve="1">
+<p:sldLayout xmlns:a="http://schemas.openxmlformats.org/drawingml/2006/main" xmlns:r="http://schemas.openxmlformats.org/officeDocument/2006/relationships" xmlns:p="http://schemas.openxmlformats.org/presentationml/2006/main" showMasterSp="0" type="title" preserve="1">
   <p:cSld name="Title Slide">
     <p:spTree>
       <p:nvGrpSpPr>
@@ -2979,13 +2985,51 @@
       </p:grpSpPr>
       <p:sp>
         <p:nvSpPr>
-          <p:cNvPr id="2" name="Title 1">
+          <p:cNvPr id="10" name="Rectangle 9">
             <a:extLst>
               <a:ext uri="{FF2B5EF4-FFF2-40B4-BE49-F238E27FC236}">
-                <a16:creationId xmlns:a16="http://schemas.microsoft.com/office/drawing/2014/main" id="{D5AF26E4-7570-BE1F-DEEB-1F1D84AB75B3}"/>
+                <a16:creationId xmlns:a16="http://schemas.microsoft.com/office/drawing/2014/main" id="{39E3965E-AC41-4711-9D10-E25ABB132D86}"/>
               </a:ext>
             </a:extLst>
           </p:cNvPr>
+          <p:cNvSpPr/>
+          <p:nvPr/>
+        </p:nvSpPr>
+        <p:spPr>
+          <a:xfrm>
+            <a:off x="3175" y="6400800"/>
+            <a:ext cx="12188825" cy="457200"/>
+          </a:xfrm>
+          <a:prstGeom prst="rect">
+            <a:avLst/>
+          </a:prstGeom>
+          <a:solidFill>
+            <a:srgbClr val="262626"/>
+          </a:solidFill>
+          <a:ln>
+            <a:noFill/>
+          </a:ln>
+        </p:spPr>
+        <p:style>
+          <a:lnRef idx="2">
+            <a:schemeClr val="accent1">
+              <a:shade val="50000"/>
+            </a:schemeClr>
+          </a:lnRef>
+          <a:fillRef idx="1">
+            <a:schemeClr val="accent1"/>
+          </a:fillRef>
+          <a:effectRef idx="0">
+            <a:schemeClr val="accent1"/>
+          </a:effectRef>
+          <a:fontRef idx="minor">
+            <a:schemeClr val="lt1"/>
+          </a:fontRef>
+        </p:style>
+      </p:sp>
+      <p:sp>
+        <p:nvSpPr>
+          <p:cNvPr id="2" name="Title 1"/>
           <p:cNvSpPr>
             <a:spLocks noGrp="1"/>
           </p:cNvSpPr>
@@ -2995,15 +3039,27 @@
         </p:nvSpPr>
         <p:spPr>
           <a:xfrm>
-            <a:off x="1524000" y="1122363"/>
-            <a:ext cx="9144000" cy="2387600"/>
+            <a:off x="1097280" y="758952"/>
+            <a:ext cx="10058400" cy="3566160"/>
           </a:xfrm>
         </p:spPr>
         <p:txBody>
-          <a:bodyPr anchor="b"/>
+          <a:bodyPr anchor="b">
+            <a:normAutofit/>
+          </a:bodyPr>
           <a:lstStyle>
-            <a:lvl1pPr algn="ctr">
-              <a:defRPr sz="6000"/>
+            <a:lvl1pPr algn="l">
+              <a:lnSpc>
+                <a:spcPct val="90000"/>
+              </a:lnSpc>
+              <a:defRPr sz="8000" spc="-50" baseline="0">
+                <a:solidFill>
+                  <a:schemeClr val="tx1">
+                    <a:lumMod val="85000"/>
+                    <a:lumOff val="15000"/>
+                  </a:schemeClr>
+                </a:solidFill>
+              </a:defRPr>
             </a:lvl1pPr>
           </a:lstStyle>
           <a:p>
@@ -3011,18 +3067,13 @@
               <a:rPr lang="en-US"/>
               <a:t>Click to edit Master title style</a:t>
             </a:r>
+            <a:endParaRPr lang="en-US" dirty="0"/>
           </a:p>
         </p:txBody>
       </p:sp>
       <p:sp>
         <p:nvSpPr>
-          <p:cNvPr id="3" name="Subtitle 2">
-            <a:extLst>
-              <a:ext uri="{FF2B5EF4-FFF2-40B4-BE49-F238E27FC236}">
-                <a16:creationId xmlns:a16="http://schemas.microsoft.com/office/drawing/2014/main" id="{F69EB6D8-E7A4-5177-E54B-E6DC0C7DDBBF}"/>
-              </a:ext>
-            </a:extLst>
-          </p:cNvPr>
+          <p:cNvPr id="3" name="Subtitle 2"/>
           <p:cNvSpPr>
             <a:spLocks noGrp="1"/>
           </p:cNvSpPr>
@@ -3032,48 +3083,55 @@
         </p:nvSpPr>
         <p:spPr>
           <a:xfrm>
-            <a:off x="1524000" y="3602038"/>
-            <a:ext cx="9144000" cy="1655762"/>
+            <a:off x="1100051" y="4645152"/>
+            <a:ext cx="10058400" cy="1143000"/>
           </a:xfrm>
         </p:spPr>
         <p:txBody>
-          <a:bodyPr/>
+          <a:bodyPr lIns="91440" rIns="91440">
+            <a:normAutofit/>
+          </a:bodyPr>
           <a:lstStyle>
-            <a:lvl1pPr marL="0" indent="0" algn="ctr">
+            <a:lvl1pPr marL="0" indent="0" algn="l">
               <a:buNone/>
-              <a:defRPr sz="2400"/>
+              <a:defRPr sz="2400" cap="all" spc="200" baseline="0">
+                <a:solidFill>
+                  <a:schemeClr val="tx1"/>
+                </a:solidFill>
+                <a:latin typeface="+mn-lt"/>
+              </a:defRPr>
             </a:lvl1pPr>
             <a:lvl2pPr marL="457200" indent="0" algn="ctr">
               <a:buNone/>
-              <a:defRPr sz="2000"/>
+              <a:defRPr sz="2400"/>
             </a:lvl2pPr>
             <a:lvl3pPr marL="914400" indent="0" algn="ctr">
               <a:buNone/>
-              <a:defRPr sz="1800"/>
+              <a:defRPr sz="2400"/>
             </a:lvl3pPr>
             <a:lvl4pPr marL="1371600" indent="0" algn="ctr">
               <a:buNone/>
-              <a:defRPr sz="1600"/>
+              <a:defRPr sz="2000"/>
             </a:lvl4pPr>
             <a:lvl5pPr marL="1828800" indent="0" algn="ctr">
               <a:buNone/>
-              <a:defRPr sz="1600"/>
+              <a:defRPr sz="2000"/>
             </a:lvl5pPr>
             <a:lvl6pPr marL="2286000" indent="0" algn="ctr">
               <a:buNone/>
-              <a:defRPr sz="1600"/>
+              <a:defRPr sz="2000"/>
             </a:lvl6pPr>
             <a:lvl7pPr marL="2743200" indent="0" algn="ctr">
               <a:buNone/>
-              <a:defRPr sz="1600"/>
+              <a:defRPr sz="2000"/>
             </a:lvl7pPr>
             <a:lvl8pPr marL="3200400" indent="0" algn="ctr">
               <a:buNone/>
-              <a:defRPr sz="1600"/>
+              <a:defRPr sz="2000"/>
             </a:lvl8pPr>
             <a:lvl9pPr marL="3657600" indent="0" algn="ctr">
               <a:buNone/>
-              <a:defRPr sz="1600"/>
+              <a:defRPr sz="2000"/>
             </a:lvl9pPr>
           </a:lstStyle>
           <a:p>
@@ -3081,15 +3139,60 @@
               <a:rPr lang="en-US"/>
               <a:t>Click to edit Master subtitle style</a:t>
             </a:r>
+            <a:endParaRPr lang="en-US" dirty="0"/>
           </a:p>
         </p:txBody>
       </p:sp>
+      <p:cxnSp>
+        <p:nvCxnSpPr>
+          <p:cNvPr id="9" name="Straight Connector 8">
+            <a:extLst>
+              <a:ext uri="{FF2B5EF4-FFF2-40B4-BE49-F238E27FC236}">
+                <a16:creationId xmlns:a16="http://schemas.microsoft.com/office/drawing/2014/main" id="{1F5DC8C3-BA5F-4EED-BB9A-A14272BD82A1}"/>
+              </a:ext>
+            </a:extLst>
+          </p:cNvPr>
+          <p:cNvCxnSpPr/>
+          <p:nvPr/>
+        </p:nvCxnSpPr>
+        <p:spPr>
+          <a:xfrm>
+            <a:off x="1207658" y="4474741"/>
+            <a:ext cx="9875520" cy="0"/>
+          </a:xfrm>
+          <a:prstGeom prst="line">
+            <a:avLst/>
+          </a:prstGeom>
+          <a:ln w="12700">
+            <a:solidFill>
+              <a:schemeClr val="tx1">
+                <a:lumMod val="75000"/>
+                <a:lumOff val="25000"/>
+              </a:schemeClr>
+            </a:solidFill>
+          </a:ln>
+        </p:spPr>
+        <p:style>
+          <a:lnRef idx="1">
+            <a:schemeClr val="accent1"/>
+          </a:lnRef>
+          <a:fillRef idx="0">
+            <a:schemeClr val="accent1"/>
+          </a:fillRef>
+          <a:effectRef idx="0">
+            <a:schemeClr val="accent1"/>
+          </a:effectRef>
+          <a:fontRef idx="minor">
+            <a:schemeClr val="tx1"/>
+          </a:fontRef>
+        </p:style>
+      </p:cxnSp>
       <p:sp>
         <p:nvSpPr>
           <p:cNvPr id="4" name="Date Placeholder 3">
             <a:extLst>
               <a:ext uri="{FF2B5EF4-FFF2-40B4-BE49-F238E27FC236}">
-                <a16:creationId xmlns:a16="http://schemas.microsoft.com/office/drawing/2014/main" id="{54764531-4F55-814C-3F2C-07BBE692114A}"/>
+                <a16:creationId xmlns:a16="http://schemas.microsoft.com/office/drawing/2014/main" id="{9925CCF1-92C0-4AF3-BFAF-4921631915AB}"/>
               </a:ext>
             </a:extLst>
           </p:cNvPr>
@@ -3105,11 +3208,11 @@
           <a:bodyPr/>
           <a:lstStyle/>
           <a:p>
-            <a:fld id="{AFE8374F-D609-D548-9B37-88388F64639D}" type="datetimeFigureOut">
+            <a:fld id="{9184DA70-C731-4C70-880D-CCD4705E623C}" type="datetime1">
               <a:rPr lang="en-US" smtClean="0"/>
-              <a:t>8/13/24</a:t>
+              <a:t>8/26/24</a:t>
             </a:fld>
-            <a:endParaRPr lang="en-US"/>
+            <a:endParaRPr lang="en-US" dirty="0"/>
           </a:p>
         </p:txBody>
       </p:sp>
@@ -3118,7 +3221,7 @@
           <p:cNvPr id="5" name="Footer Placeholder 4">
             <a:extLst>
               <a:ext uri="{FF2B5EF4-FFF2-40B4-BE49-F238E27FC236}">
-                <a16:creationId xmlns:a16="http://schemas.microsoft.com/office/drawing/2014/main" id="{866A5E8F-C89A-253C-508B-03BCFF901725}"/>
+                <a16:creationId xmlns:a16="http://schemas.microsoft.com/office/drawing/2014/main" id="{051A78A9-3DFF-4937-A9F2-5D8CF495F367}"/>
               </a:ext>
             </a:extLst>
           </p:cNvPr>
@@ -3134,7 +3237,7 @@
           <a:bodyPr/>
           <a:lstStyle/>
           <a:p>
-            <a:endParaRPr lang="en-US"/>
+            <a:endParaRPr lang="en-US" dirty="0"/>
           </a:p>
         </p:txBody>
       </p:sp>
@@ -3143,7 +3246,7 @@
           <p:cNvPr id="6" name="Slide Number Placeholder 5">
             <a:extLst>
               <a:ext uri="{FF2B5EF4-FFF2-40B4-BE49-F238E27FC236}">
-                <a16:creationId xmlns:a16="http://schemas.microsoft.com/office/drawing/2014/main" id="{4FB6C74A-64DC-EDEE-22A4-B54671813A25}"/>
+                <a16:creationId xmlns:a16="http://schemas.microsoft.com/office/drawing/2014/main" id="{5FAEB271-5CC0-4759-BC6E-8BE53AB227C0}"/>
               </a:ext>
             </a:extLst>
           </p:cNvPr>
@@ -3159,18 +3262,18 @@
           <a:bodyPr/>
           <a:lstStyle/>
           <a:p>
-            <a:fld id="{6F3AFFD1-C8B5-6B4A-BF4C-CBF1582BC32D}" type="slidenum">
+            <a:fld id="{3A98EE3D-8CD1-4C3F-BD1C-C98C9596463C}" type="slidenum">
               <a:rPr lang="en-US" smtClean="0"/>
               <a:t>‹#›</a:t>
             </a:fld>
-            <a:endParaRPr lang="en-US"/>
+            <a:endParaRPr lang="en-US" dirty="0"/>
           </a:p>
         </p:txBody>
       </p:sp>
     </p:spTree>
     <p:extLst>
       <p:ext uri="{BB962C8B-B14F-4D97-AF65-F5344CB8AC3E}">
-        <p14:creationId xmlns:p14="http://schemas.microsoft.com/office/powerpoint/2010/main" val="1599658974"/>
+        <p14:creationId xmlns:p14="http://schemas.microsoft.com/office/powerpoint/2010/main" val="561492195"/>
       </p:ext>
     </p:extLst>
   </p:cSld>
@@ -3199,13 +3302,7 @@
       </p:grpSpPr>
       <p:sp>
         <p:nvSpPr>
-          <p:cNvPr id="2" name="Title 1">
-            <a:extLst>
-              <a:ext uri="{FF2B5EF4-FFF2-40B4-BE49-F238E27FC236}">
-                <a16:creationId xmlns:a16="http://schemas.microsoft.com/office/drawing/2014/main" id="{C7DCECF3-DB3C-F81A-3759-DA08F84C5692}"/>
-              </a:ext>
-            </a:extLst>
-          </p:cNvPr>
+          <p:cNvPr id="2" name="Title 1"/>
           <p:cNvSpPr>
             <a:spLocks noGrp="1"/>
           </p:cNvSpPr>
@@ -3222,18 +3319,13 @@
               <a:rPr lang="en-US"/>
               <a:t>Click to edit Master title style</a:t>
             </a:r>
+            <a:endParaRPr lang="en-US" dirty="0"/>
           </a:p>
         </p:txBody>
       </p:sp>
       <p:sp>
         <p:nvSpPr>
-          <p:cNvPr id="3" name="Vertical Text Placeholder 2">
-            <a:extLst>
-              <a:ext uri="{FF2B5EF4-FFF2-40B4-BE49-F238E27FC236}">
-                <a16:creationId xmlns:a16="http://schemas.microsoft.com/office/drawing/2014/main" id="{2EF301FF-7CA8-2F86-E304-9DDB5DF0379F}"/>
-              </a:ext>
-            </a:extLst>
-          </p:cNvPr>
+          <p:cNvPr id="3" name="Vertical Text Placeholder 2"/>
           <p:cNvSpPr>
             <a:spLocks noGrp="1"/>
           </p:cNvSpPr>
@@ -3243,7 +3335,7 @@
         </p:nvSpPr>
         <p:spPr/>
         <p:txBody>
-          <a:bodyPr vert="eaVert"/>
+          <a:bodyPr vert="eaVert" lIns="45720" tIns="0" rIns="45720" bIns="0"/>
           <a:lstStyle/>
           <a:p>
             <a:pPr lvl="0"/>
@@ -3279,15 +3371,16 @@
               <a:rPr lang="en-US"/>
               <a:t>Fifth level</a:t>
             </a:r>
+            <a:endParaRPr lang="en-US" dirty="0"/>
           </a:p>
         </p:txBody>
       </p:sp>
       <p:sp>
         <p:nvSpPr>
-          <p:cNvPr id="4" name="Date Placeholder 3">
+          <p:cNvPr id="7" name="Date Placeholder 6">
             <a:extLst>
               <a:ext uri="{FF2B5EF4-FFF2-40B4-BE49-F238E27FC236}">
-                <a16:creationId xmlns:a16="http://schemas.microsoft.com/office/drawing/2014/main" id="{0158E2C1-4378-82A0-9805-FFC6B801199D}"/>
+                <a16:creationId xmlns:a16="http://schemas.microsoft.com/office/drawing/2014/main" id="{7D5506EE-1026-4F35-9ACC-BD05BE0F9B36}"/>
               </a:ext>
             </a:extLst>
           </p:cNvPr>
@@ -3303,20 +3396,20 @@
           <a:bodyPr/>
           <a:lstStyle/>
           <a:p>
-            <a:fld id="{AFE8374F-D609-D548-9B37-88388F64639D}" type="datetimeFigureOut">
+            <a:fld id="{B612A279-0833-481D-8C56-F67FD0AC6C50}" type="datetime1">
               <a:rPr lang="en-US" smtClean="0"/>
-              <a:t>8/13/24</a:t>
+              <a:t>8/26/24</a:t>
             </a:fld>
-            <a:endParaRPr lang="en-US"/>
+            <a:endParaRPr lang="en-US" dirty="0"/>
           </a:p>
         </p:txBody>
       </p:sp>
       <p:sp>
         <p:nvSpPr>
-          <p:cNvPr id="5" name="Footer Placeholder 4">
+          <p:cNvPr id="8" name="Footer Placeholder 7">
             <a:extLst>
               <a:ext uri="{FF2B5EF4-FFF2-40B4-BE49-F238E27FC236}">
-                <a16:creationId xmlns:a16="http://schemas.microsoft.com/office/drawing/2014/main" id="{CA8072E5-3A08-6DFD-CCFC-DBCC2B5CA085}"/>
+                <a16:creationId xmlns:a16="http://schemas.microsoft.com/office/drawing/2014/main" id="{B7696E5F-8D95-4450-AE52-5438E6EDE2BF}"/>
               </a:ext>
             </a:extLst>
           </p:cNvPr>
@@ -3332,16 +3425,16 @@
           <a:bodyPr/>
           <a:lstStyle/>
           <a:p>
-            <a:endParaRPr lang="en-US"/>
+            <a:endParaRPr lang="en-US" dirty="0"/>
           </a:p>
         </p:txBody>
       </p:sp>
       <p:sp>
         <p:nvSpPr>
-          <p:cNvPr id="6" name="Slide Number Placeholder 5">
+          <p:cNvPr id="9" name="Slide Number Placeholder 8">
             <a:extLst>
               <a:ext uri="{FF2B5EF4-FFF2-40B4-BE49-F238E27FC236}">
-                <a16:creationId xmlns:a16="http://schemas.microsoft.com/office/drawing/2014/main" id="{6FF808F5-02A0-B86C-D717-8AD8F69F00FB}"/>
+                <a16:creationId xmlns:a16="http://schemas.microsoft.com/office/drawing/2014/main" id="{999B2253-74CC-409E-BEB0-F8EFCFCB5629}"/>
               </a:ext>
             </a:extLst>
           </p:cNvPr>
@@ -3357,18 +3450,18 @@
           <a:bodyPr/>
           <a:lstStyle/>
           <a:p>
-            <a:fld id="{6F3AFFD1-C8B5-6B4A-BF4C-CBF1582BC32D}" type="slidenum">
+            <a:fld id="{3A98EE3D-8CD1-4C3F-BD1C-C98C9596463C}" type="slidenum">
               <a:rPr lang="en-US" smtClean="0"/>
               <a:t>‹#›</a:t>
             </a:fld>
-            <a:endParaRPr lang="en-US"/>
+            <a:endParaRPr lang="en-US" dirty="0"/>
           </a:p>
         </p:txBody>
       </p:sp>
     </p:spTree>
     <p:extLst>
       <p:ext uri="{BB962C8B-B14F-4D97-AF65-F5344CB8AC3E}">
-        <p14:creationId xmlns:p14="http://schemas.microsoft.com/office/powerpoint/2010/main" val="3839245734"/>
+        <p14:creationId xmlns:p14="http://schemas.microsoft.com/office/powerpoint/2010/main" val="875197535"/>
       </p:ext>
     </p:extLst>
   </p:cSld>
@@ -3379,7 +3472,7 @@
 </file>
 
 <file path=ppt/slideLayouts/slideLayout11.xml><?xml version="1.0" encoding="utf-8"?>
-<p:sldLayout xmlns:a="http://schemas.openxmlformats.org/drawingml/2006/main" xmlns:r="http://schemas.openxmlformats.org/officeDocument/2006/relationships" xmlns:p="http://schemas.openxmlformats.org/presentationml/2006/main" type="vertTitleAndTx" preserve="1">
+<p:sldLayout xmlns:a="http://schemas.openxmlformats.org/drawingml/2006/main" xmlns:r="http://schemas.openxmlformats.org/officeDocument/2006/relationships" xmlns:p="http://schemas.openxmlformats.org/presentationml/2006/main" showMasterSp="0" type="vertTitleAndTx" preserve="1">
   <p:cSld name="Vertical Title and Text">
     <p:spTree>
       <p:nvGrpSpPr>
@@ -3397,13 +3490,51 @@
       </p:grpSpPr>
       <p:sp>
         <p:nvSpPr>
-          <p:cNvPr id="2" name="Vertical Title 1">
+          <p:cNvPr id="9" name="Rectangle 8">
             <a:extLst>
               <a:ext uri="{FF2B5EF4-FFF2-40B4-BE49-F238E27FC236}">
-                <a16:creationId xmlns:a16="http://schemas.microsoft.com/office/drawing/2014/main" id="{CD340063-BB5C-ECCF-0B3A-04DFF6871A82}"/>
+                <a16:creationId xmlns:a16="http://schemas.microsoft.com/office/drawing/2014/main" id="{E1B68A5B-D9FA-424B-A4EB-30E7223836B3}"/>
               </a:ext>
             </a:extLst>
           </p:cNvPr>
+          <p:cNvSpPr/>
+          <p:nvPr/>
+        </p:nvSpPr>
+        <p:spPr>
+          <a:xfrm>
+            <a:off x="3175" y="6400800"/>
+            <a:ext cx="12188825" cy="457200"/>
+          </a:xfrm>
+          <a:prstGeom prst="rect">
+            <a:avLst/>
+          </a:prstGeom>
+          <a:solidFill>
+            <a:srgbClr val="262626"/>
+          </a:solidFill>
+          <a:ln>
+            <a:noFill/>
+          </a:ln>
+        </p:spPr>
+        <p:style>
+          <a:lnRef idx="2">
+            <a:schemeClr val="accent1">
+              <a:shade val="50000"/>
+            </a:schemeClr>
+          </a:lnRef>
+          <a:fillRef idx="1">
+            <a:schemeClr val="accent1"/>
+          </a:fillRef>
+          <a:effectRef idx="0">
+            <a:schemeClr val="accent1"/>
+          </a:effectRef>
+          <a:fontRef idx="minor">
+            <a:schemeClr val="lt1"/>
+          </a:fontRef>
+        </p:style>
+      </p:sp>
+      <p:sp>
+        <p:nvSpPr>
+          <p:cNvPr id="2" name="Vertical Title 1"/>
           <p:cNvSpPr>
             <a:spLocks noGrp="1"/>
           </p:cNvSpPr>
@@ -3413,8 +3544,8 @@
         </p:nvSpPr>
         <p:spPr>
           <a:xfrm>
-            <a:off x="8724900" y="365125"/>
-            <a:ext cx="2628900" cy="5811838"/>
+            <a:off x="8724900" y="412302"/>
+            <a:ext cx="2628900" cy="5759898"/>
           </a:xfrm>
         </p:spPr>
         <p:txBody>
@@ -3425,18 +3556,13 @@
               <a:rPr lang="en-US"/>
               <a:t>Click to edit Master title style</a:t>
             </a:r>
+            <a:endParaRPr lang="en-US" dirty="0"/>
           </a:p>
         </p:txBody>
       </p:sp>
       <p:sp>
         <p:nvSpPr>
-          <p:cNvPr id="3" name="Vertical Text Placeholder 2">
-            <a:extLst>
-              <a:ext uri="{FF2B5EF4-FFF2-40B4-BE49-F238E27FC236}">
-                <a16:creationId xmlns:a16="http://schemas.microsoft.com/office/drawing/2014/main" id="{BB929C8A-CE1E-EAF5-3AD3-90E06F190125}"/>
-              </a:ext>
-            </a:extLst>
-          </p:cNvPr>
+          <p:cNvPr id="3" name="Vertical Text Placeholder 2"/>
           <p:cNvSpPr>
             <a:spLocks noGrp="1"/>
           </p:cNvSpPr>
@@ -3446,12 +3572,12 @@
         </p:nvSpPr>
         <p:spPr>
           <a:xfrm>
-            <a:off x="838200" y="365125"/>
-            <a:ext cx="7734300" cy="5811838"/>
+            <a:off x="838200" y="412302"/>
+            <a:ext cx="7734300" cy="5759898"/>
           </a:xfrm>
         </p:spPr>
         <p:txBody>
-          <a:bodyPr vert="eaVert"/>
+          <a:bodyPr vert="eaVert" lIns="45720" tIns="0" rIns="45720" bIns="0"/>
           <a:lstStyle/>
           <a:p>
             <a:pPr lvl="0"/>
@@ -3487,15 +3613,16 @@
               <a:rPr lang="en-US"/>
               <a:t>Fifth level</a:t>
             </a:r>
+            <a:endParaRPr lang="en-US" dirty="0"/>
           </a:p>
         </p:txBody>
       </p:sp>
       <p:sp>
         <p:nvSpPr>
-          <p:cNvPr id="4" name="Date Placeholder 3">
+          <p:cNvPr id="7" name="Date Placeholder 6">
             <a:extLst>
               <a:ext uri="{FF2B5EF4-FFF2-40B4-BE49-F238E27FC236}">
-                <a16:creationId xmlns:a16="http://schemas.microsoft.com/office/drawing/2014/main" id="{91656FA3-280C-F4B7-68BC-BC3C4CACD9CD}"/>
+                <a16:creationId xmlns:a16="http://schemas.microsoft.com/office/drawing/2014/main" id="{AF33D6B0-F070-45C4-A472-19F432BE3932}"/>
               </a:ext>
             </a:extLst>
           </p:cNvPr>
@@ -3511,20 +3638,20 @@
           <a:bodyPr/>
           <a:lstStyle/>
           <a:p>
-            <a:fld id="{AFE8374F-D609-D548-9B37-88388F64639D}" type="datetimeFigureOut">
+            <a:fld id="{6587DA83-5663-4C9C-B9AA-0B40A3DAFF81}" type="datetime1">
               <a:rPr lang="en-US" smtClean="0"/>
-              <a:t>8/13/24</a:t>
+              <a:t>8/26/24</a:t>
             </a:fld>
-            <a:endParaRPr lang="en-US"/>
+            <a:endParaRPr lang="en-US" dirty="0"/>
           </a:p>
         </p:txBody>
       </p:sp>
       <p:sp>
         <p:nvSpPr>
-          <p:cNvPr id="5" name="Footer Placeholder 4">
+          <p:cNvPr id="8" name="Footer Placeholder 7">
             <a:extLst>
               <a:ext uri="{FF2B5EF4-FFF2-40B4-BE49-F238E27FC236}">
-                <a16:creationId xmlns:a16="http://schemas.microsoft.com/office/drawing/2014/main" id="{D8EA7370-E6FD-280A-166B-27D3E04647D0}"/>
+                <a16:creationId xmlns:a16="http://schemas.microsoft.com/office/drawing/2014/main" id="{9975399F-DAB2-410D-967F-ED17E6F796E7}"/>
               </a:ext>
             </a:extLst>
           </p:cNvPr>
@@ -3540,16 +3667,16 @@
           <a:bodyPr/>
           <a:lstStyle/>
           <a:p>
-            <a:endParaRPr lang="en-US"/>
+            <a:endParaRPr lang="en-US" dirty="0"/>
           </a:p>
         </p:txBody>
       </p:sp>
       <p:sp>
         <p:nvSpPr>
-          <p:cNvPr id="6" name="Slide Number Placeholder 5">
+          <p:cNvPr id="10" name="Slide Number Placeholder 9">
             <a:extLst>
               <a:ext uri="{FF2B5EF4-FFF2-40B4-BE49-F238E27FC236}">
-                <a16:creationId xmlns:a16="http://schemas.microsoft.com/office/drawing/2014/main" id="{9B676417-EBF2-16F9-AFE0-E60332C21892}"/>
+                <a16:creationId xmlns:a16="http://schemas.microsoft.com/office/drawing/2014/main" id="{F762A46F-6BE5-4D12-9412-5CA7672EA8EC}"/>
               </a:ext>
             </a:extLst>
           </p:cNvPr>
@@ -3565,18 +3692,18 @@
           <a:bodyPr/>
           <a:lstStyle/>
           <a:p>
-            <a:fld id="{6F3AFFD1-C8B5-6B4A-BF4C-CBF1582BC32D}" type="slidenum">
+            <a:fld id="{3A98EE3D-8CD1-4C3F-BD1C-C98C9596463C}" type="slidenum">
               <a:rPr lang="en-US" smtClean="0"/>
               <a:t>‹#›</a:t>
             </a:fld>
-            <a:endParaRPr lang="en-US"/>
+            <a:endParaRPr lang="en-US" dirty="0"/>
           </a:p>
         </p:txBody>
       </p:sp>
     </p:spTree>
     <p:extLst>
       <p:ext uri="{BB962C8B-B14F-4D97-AF65-F5344CB8AC3E}">
-        <p14:creationId xmlns:p14="http://schemas.microsoft.com/office/powerpoint/2010/main" val="2916260136"/>
+        <p14:creationId xmlns:p14="http://schemas.microsoft.com/office/powerpoint/2010/main" val="3283433164"/>
       </p:ext>
     </p:extLst>
   </p:cSld>
@@ -3605,13 +3732,7 @@
       </p:grpSpPr>
       <p:sp>
         <p:nvSpPr>
-          <p:cNvPr id="2" name="Title 1">
-            <a:extLst>
-              <a:ext uri="{FF2B5EF4-FFF2-40B4-BE49-F238E27FC236}">
-                <a16:creationId xmlns:a16="http://schemas.microsoft.com/office/drawing/2014/main" id="{F356A2EC-EEE6-6745-C770-F866250DC964}"/>
-              </a:ext>
-            </a:extLst>
-          </p:cNvPr>
+          <p:cNvPr id="2" name="Title 1"/>
           <p:cNvSpPr>
             <a:spLocks noGrp="1"/>
           </p:cNvSpPr>
@@ -3628,18 +3749,13 @@
               <a:rPr lang="en-US"/>
               <a:t>Click to edit Master title style</a:t>
             </a:r>
+            <a:endParaRPr lang="en-US" dirty="0"/>
           </a:p>
         </p:txBody>
       </p:sp>
       <p:sp>
         <p:nvSpPr>
-          <p:cNvPr id="3" name="Content Placeholder 2">
-            <a:extLst>
-              <a:ext uri="{FF2B5EF4-FFF2-40B4-BE49-F238E27FC236}">
-                <a16:creationId xmlns:a16="http://schemas.microsoft.com/office/drawing/2014/main" id="{5C5F94AA-5E2A-D66D-F1AB-4933F5302064}"/>
-              </a:ext>
-            </a:extLst>
-          </p:cNvPr>
+          <p:cNvPr id="3" name="Content Placeholder 2"/>
           <p:cNvSpPr>
             <a:spLocks noGrp="1"/>
           </p:cNvSpPr>
@@ -3685,15 +3801,16 @@
               <a:rPr lang="en-US"/>
               <a:t>Fifth level</a:t>
             </a:r>
+            <a:endParaRPr lang="en-US" dirty="0"/>
           </a:p>
         </p:txBody>
       </p:sp>
       <p:sp>
         <p:nvSpPr>
-          <p:cNvPr id="4" name="Date Placeholder 3">
+          <p:cNvPr id="7" name="Date Placeholder 6">
             <a:extLst>
               <a:ext uri="{FF2B5EF4-FFF2-40B4-BE49-F238E27FC236}">
-                <a16:creationId xmlns:a16="http://schemas.microsoft.com/office/drawing/2014/main" id="{04DD754F-CCD5-4476-3574-836320C58942}"/>
+                <a16:creationId xmlns:a16="http://schemas.microsoft.com/office/drawing/2014/main" id="{354D8B55-9EA8-4B81-8E84-9B93B0A27559}"/>
               </a:ext>
             </a:extLst>
           </p:cNvPr>
@@ -3709,20 +3826,20 @@
           <a:bodyPr/>
           <a:lstStyle/>
           <a:p>
-            <a:fld id="{AFE8374F-D609-D548-9B37-88388F64639D}" type="datetimeFigureOut">
+            <a:fld id="{4BE1D723-8F53-4F53-90B0-1982A396982E}" type="datetime1">
               <a:rPr lang="en-US" smtClean="0"/>
-              <a:t>8/13/24</a:t>
+              <a:t>8/26/24</a:t>
             </a:fld>
-            <a:endParaRPr lang="en-US"/>
+            <a:endParaRPr lang="en-US" dirty="0"/>
           </a:p>
         </p:txBody>
       </p:sp>
       <p:sp>
         <p:nvSpPr>
-          <p:cNvPr id="5" name="Footer Placeholder 4">
+          <p:cNvPr id="8" name="Footer Placeholder 7">
             <a:extLst>
               <a:ext uri="{FF2B5EF4-FFF2-40B4-BE49-F238E27FC236}">
-                <a16:creationId xmlns:a16="http://schemas.microsoft.com/office/drawing/2014/main" id="{A3172E56-9635-FCC2-2487-3B6D7F21B7A0}"/>
+                <a16:creationId xmlns:a16="http://schemas.microsoft.com/office/drawing/2014/main" id="{062CA021-2578-47CB-822C-BDDFF7223B28}"/>
               </a:ext>
             </a:extLst>
           </p:cNvPr>
@@ -3738,16 +3855,16 @@
           <a:bodyPr/>
           <a:lstStyle/>
           <a:p>
-            <a:endParaRPr lang="en-US"/>
+            <a:endParaRPr lang="en-US" dirty="0"/>
           </a:p>
         </p:txBody>
       </p:sp>
       <p:sp>
         <p:nvSpPr>
-          <p:cNvPr id="6" name="Slide Number Placeholder 5">
+          <p:cNvPr id="9" name="Slide Number Placeholder 8">
             <a:extLst>
               <a:ext uri="{FF2B5EF4-FFF2-40B4-BE49-F238E27FC236}">
-                <a16:creationId xmlns:a16="http://schemas.microsoft.com/office/drawing/2014/main" id="{8A027527-1A3E-FC90-0128-7647D54F8F05}"/>
+                <a16:creationId xmlns:a16="http://schemas.microsoft.com/office/drawing/2014/main" id="{C4AAB51D-4141-4682-9375-DAFD5FB9DD10}"/>
               </a:ext>
             </a:extLst>
           </p:cNvPr>
@@ -3763,18 +3880,18 @@
           <a:bodyPr/>
           <a:lstStyle/>
           <a:p>
-            <a:fld id="{6F3AFFD1-C8B5-6B4A-BF4C-CBF1582BC32D}" type="slidenum">
+            <a:fld id="{3A98EE3D-8CD1-4C3F-BD1C-C98C9596463C}" type="slidenum">
               <a:rPr lang="en-US" smtClean="0"/>
               <a:t>‹#›</a:t>
             </a:fld>
-            <a:endParaRPr lang="en-US"/>
+            <a:endParaRPr lang="en-US" dirty="0"/>
           </a:p>
         </p:txBody>
       </p:sp>
     </p:spTree>
     <p:extLst>
       <p:ext uri="{BB962C8B-B14F-4D97-AF65-F5344CB8AC3E}">
-        <p14:creationId xmlns:p14="http://schemas.microsoft.com/office/powerpoint/2010/main" val="3594803946"/>
+        <p14:creationId xmlns:p14="http://schemas.microsoft.com/office/powerpoint/2010/main" val="3490872251"/>
       </p:ext>
     </p:extLst>
   </p:cSld>
@@ -3785,8 +3902,16 @@
 </file>
 
 <file path=ppt/slideLayouts/slideLayout3.xml><?xml version="1.0" encoding="utf-8"?>
-<p:sldLayout xmlns:a="http://schemas.openxmlformats.org/drawingml/2006/main" xmlns:r="http://schemas.openxmlformats.org/officeDocument/2006/relationships" xmlns:p="http://schemas.openxmlformats.org/presentationml/2006/main" type="secHead" preserve="1">
+<p:sldLayout xmlns:a="http://schemas.openxmlformats.org/drawingml/2006/main" xmlns:r="http://schemas.openxmlformats.org/officeDocument/2006/relationships" xmlns:p="http://schemas.openxmlformats.org/presentationml/2006/main" showMasterSp="0" type="secHead" preserve="1">
   <p:cSld name="Section Header">
+    <p:bg>
+      <p:bgPr>
+        <a:solidFill>
+          <a:schemeClr val="bg1"/>
+        </a:solidFill>
+        <a:effectLst/>
+      </p:bgPr>
+    </p:bg>
     <p:spTree>
       <p:nvGrpSpPr>
         <p:cNvPr id="1" name=""/>
@@ -3803,13 +3928,51 @@
       </p:grpSpPr>
       <p:sp>
         <p:nvSpPr>
-          <p:cNvPr id="2" name="Title 1">
+          <p:cNvPr id="10" name="Rectangle 9">
             <a:extLst>
               <a:ext uri="{FF2B5EF4-FFF2-40B4-BE49-F238E27FC236}">
-                <a16:creationId xmlns:a16="http://schemas.microsoft.com/office/drawing/2014/main" id="{2A7DB571-7D39-932B-450D-B18337D6568B}"/>
+                <a16:creationId xmlns:a16="http://schemas.microsoft.com/office/drawing/2014/main" id="{A585C21A-8B93-4657-B5DF-7EAEAD3BE127}"/>
               </a:ext>
             </a:extLst>
           </p:cNvPr>
+          <p:cNvSpPr/>
+          <p:nvPr/>
+        </p:nvSpPr>
+        <p:spPr>
+          <a:xfrm>
+            <a:off x="3175" y="6400800"/>
+            <a:ext cx="12188825" cy="457200"/>
+          </a:xfrm>
+          <a:prstGeom prst="rect">
+            <a:avLst/>
+          </a:prstGeom>
+          <a:solidFill>
+            <a:srgbClr val="262626"/>
+          </a:solidFill>
+          <a:ln>
+            <a:noFill/>
+          </a:ln>
+        </p:spPr>
+        <p:style>
+          <a:lnRef idx="2">
+            <a:schemeClr val="accent1">
+              <a:shade val="50000"/>
+            </a:schemeClr>
+          </a:lnRef>
+          <a:fillRef idx="1">
+            <a:schemeClr val="accent1"/>
+          </a:fillRef>
+          <a:effectRef idx="0">
+            <a:schemeClr val="accent1"/>
+          </a:effectRef>
+          <a:fontRef idx="minor">
+            <a:schemeClr val="lt1"/>
+          </a:fontRef>
+        </p:style>
+      </p:sp>
+      <p:sp>
+        <p:nvSpPr>
+          <p:cNvPr id="2" name="Title 1"/>
           <p:cNvSpPr>
             <a:spLocks noGrp="1"/>
           </p:cNvSpPr>
@@ -3819,15 +3982,27 @@
         </p:nvSpPr>
         <p:spPr>
           <a:xfrm>
-            <a:off x="831850" y="1709738"/>
-            <a:ext cx="10515600" cy="2852737"/>
+            <a:off x="1097280" y="758952"/>
+            <a:ext cx="10058400" cy="3566160"/>
           </a:xfrm>
         </p:spPr>
         <p:txBody>
-          <a:bodyPr anchor="b"/>
+          <a:bodyPr anchor="b" anchorCtr="0">
+            <a:normAutofit/>
+          </a:bodyPr>
           <a:lstStyle>
             <a:lvl1pPr>
-              <a:defRPr sz="6000"/>
+              <a:lnSpc>
+                <a:spcPct val="90000"/>
+              </a:lnSpc>
+              <a:defRPr sz="8000" b="0">
+                <a:solidFill>
+                  <a:schemeClr val="tx1">
+                    <a:lumMod val="85000"/>
+                    <a:lumOff val="15000"/>
+                  </a:schemeClr>
+                </a:solidFill>
+              </a:defRPr>
             </a:lvl1pPr>
           </a:lstStyle>
           <a:p>
@@ -3835,18 +4010,13 @@
               <a:rPr lang="en-US"/>
               <a:t>Click to edit Master title style</a:t>
             </a:r>
+            <a:endParaRPr lang="en-US" dirty="0"/>
           </a:p>
         </p:txBody>
       </p:sp>
       <p:sp>
         <p:nvSpPr>
-          <p:cNvPr id="3" name="Text Placeholder 2">
-            <a:extLst>
-              <a:ext uri="{FF2B5EF4-FFF2-40B4-BE49-F238E27FC236}">
-                <a16:creationId xmlns:a16="http://schemas.microsoft.com/office/drawing/2014/main" id="{B10CADCE-FB53-BE0D-8CA6-120234037F9D}"/>
-              </a:ext>
-            </a:extLst>
-          </p:cNvPr>
+          <p:cNvPr id="3" name="Text Placeholder 2"/>
           <p:cNvSpPr>
             <a:spLocks noGrp="1"/>
           </p:cNvSpPr>
@@ -3856,99 +4026,100 @@
         </p:nvSpPr>
         <p:spPr>
           <a:xfrm>
-            <a:off x="831850" y="4589463"/>
-            <a:ext cx="10515600" cy="1500187"/>
+            <a:off x="1097280" y="4663440"/>
+            <a:ext cx="10058400" cy="1143000"/>
           </a:xfrm>
         </p:spPr>
         <p:txBody>
-          <a:bodyPr/>
+          <a:bodyPr lIns="91440" rIns="91440" anchor="t" anchorCtr="0">
+            <a:normAutofit/>
+          </a:bodyPr>
           <a:lstStyle>
             <a:lvl1pPr marL="0" indent="0">
               <a:buNone/>
-              <a:defRPr sz="2400">
+              <a:defRPr sz="2400" cap="all" spc="200" baseline="0">
                 <a:solidFill>
-                  <a:schemeClr val="tx1">
-                    <a:tint val="82000"/>
-                  </a:schemeClr>
+                  <a:schemeClr val="tx1"/>
                 </a:solidFill>
+                <a:latin typeface="+mn-lt"/>
               </a:defRPr>
             </a:lvl1pPr>
             <a:lvl2pPr marL="457200" indent="0">
               <a:buNone/>
-              <a:defRPr sz="2000">
+              <a:defRPr sz="1800">
                 <a:solidFill>
                   <a:schemeClr val="tx1">
-                    <a:tint val="82000"/>
+                    <a:tint val="75000"/>
                   </a:schemeClr>
                 </a:solidFill>
               </a:defRPr>
             </a:lvl2pPr>
             <a:lvl3pPr marL="914400" indent="0">
               <a:buNone/>
-              <a:defRPr sz="1800">
+              <a:defRPr sz="1600">
                 <a:solidFill>
                   <a:schemeClr val="tx1">
-                    <a:tint val="82000"/>
+                    <a:tint val="75000"/>
                   </a:schemeClr>
                 </a:solidFill>
               </a:defRPr>
             </a:lvl3pPr>
             <a:lvl4pPr marL="1371600" indent="0">
               <a:buNone/>
-              <a:defRPr sz="1600">
+              <a:defRPr sz="1400">
                 <a:solidFill>
                   <a:schemeClr val="tx1">
-                    <a:tint val="82000"/>
+                    <a:tint val="75000"/>
                   </a:schemeClr>
                 </a:solidFill>
               </a:defRPr>
             </a:lvl4pPr>
             <a:lvl5pPr marL="1828800" indent="0">
               <a:buNone/>
-              <a:defRPr sz="1600">
+              <a:defRPr sz="1400">
                 <a:solidFill>
                   <a:schemeClr val="tx1">
-                    <a:tint val="82000"/>
+                    <a:tint val="75000"/>
                   </a:schemeClr>
                 </a:solidFill>
               </a:defRPr>
             </a:lvl5pPr>
             <a:lvl6pPr marL="2286000" indent="0">
               <a:buNone/>
-              <a:defRPr sz="1600">
+              <a:defRPr sz="1400">
                 <a:solidFill>
                   <a:schemeClr val="tx1">
-                    <a:tint val="82000"/>
+                    <a:tint val="75000"/>
                   </a:schemeClr>
                 </a:solidFill>
               </a:defRPr>
             </a:lvl6pPr>
             <a:lvl7pPr marL="2743200" indent="0">
               <a:buNone/>
-              <a:defRPr sz="1600">
+              <a:defRPr sz="1400">
                 <a:solidFill>
                   <a:schemeClr val="tx1">
-                    <a:tint val="82000"/>
+                    <a:tint val="75000"/>
                   </a:schemeClr>
                 </a:solidFill>
               </a:defRPr>
             </a:lvl7pPr>
             <a:lvl8pPr marL="3200400" indent="0">
               <a:buNone/>
-              <a:defRPr sz="1600">
+              <a:defRPr sz="1400">
                 <a:solidFill>
                   <a:schemeClr val="tx1">
-                    <a:tint val="82000"/>
+                    <a:tint val="75000"/>
                   </a:schemeClr>
                 </a:solidFill>
               </a:defRPr>
             </a:lvl8pPr>
             <a:lvl9pPr marL="3657600" indent="0">
               <a:buNone/>
-              <a:defRPr sz="1600">
+              <a:defRPr sz="1400">
                 <a:solidFill>
                   <a:schemeClr val="tx1">
-                    <a:tint val="82000"/>
+                    <a:tint val="75000"/>
                   </a:schemeClr>
                 </a:solidFill>
               </a:defRPr>
@@ -3963,12 +4134,56 @@
           </a:p>
         </p:txBody>
       </p:sp>
-      <p:sp>
-        <p:nvSpPr>
-          <p:cNvPr id="4" name="Date Placeholder 3">
+      <p:cxnSp>
+        <p:nvCxnSpPr>
+          <p:cNvPr id="9" name="Straight Connector 8">
             <a:extLst>
               <a:ext uri="{FF2B5EF4-FFF2-40B4-BE49-F238E27FC236}">
-                <a16:creationId xmlns:a16="http://schemas.microsoft.com/office/drawing/2014/main" id="{C161707B-BC65-8669-FB25-890818191DDE}"/>
+                <a16:creationId xmlns:a16="http://schemas.microsoft.com/office/drawing/2014/main" id="{459DE2C1-4C52-40A3-8959-27B2C1BEBFF6}"/>
+              </a:ext>
+            </a:extLst>
+          </p:cNvPr>
+          <p:cNvCxnSpPr/>
+          <p:nvPr/>
+        </p:nvCxnSpPr>
+        <p:spPr>
+          <a:xfrm>
+            <a:off x="1207658" y="4485132"/>
+            <a:ext cx="9875520" cy="0"/>
+          </a:xfrm>
+          <a:prstGeom prst="line">
+            <a:avLst/>
+          </a:prstGeom>
+          <a:ln w="12700">
+            <a:solidFill>
+              <a:schemeClr val="tx1">
+                <a:lumMod val="75000"/>
+                <a:lumOff val="25000"/>
+              </a:schemeClr>
+            </a:solidFill>
+          </a:ln>
+        </p:spPr>
+        <p:style>
+          <a:lnRef idx="1">
+            <a:schemeClr val="accent1"/>
+          </a:lnRef>
+          <a:fillRef idx="0">
+            <a:schemeClr val="accent1"/>
+          </a:fillRef>
+          <a:effectRef idx="0">
+            <a:schemeClr val="accent1"/>
+          </a:effectRef>
+          <a:fontRef idx="minor">
+            <a:schemeClr val="tx1"/>
+          </a:fontRef>
+        </p:style>
+      </p:cxnSp>
+      <p:sp>
+        <p:nvSpPr>
+          <p:cNvPr id="7" name="Date Placeholder 6">
+            <a:extLst>
+              <a:ext uri="{FF2B5EF4-FFF2-40B4-BE49-F238E27FC236}">
+                <a16:creationId xmlns:a16="http://schemas.microsoft.com/office/drawing/2014/main" id="{AAF2E137-EC28-48F8-9198-1F02539029B6}"/>
               </a:ext>
             </a:extLst>
           </p:cNvPr>
@@ -3984,20 +4199,20 @@
           <a:bodyPr/>
           <a:lstStyle/>
           <a:p>
-            <a:fld id="{AFE8374F-D609-D548-9B37-88388F64639D}" type="datetimeFigureOut">
+            <a:fld id="{97669AF7-7BEB-44E4-9852-375E34362B5B}" type="datetime1">
               <a:rPr lang="en-US" smtClean="0"/>
-              <a:t>8/13/24</a:t>
+              <a:t>8/26/24</a:t>
             </a:fld>
-            <a:endParaRPr lang="en-US"/>
+            <a:endParaRPr lang="en-US" dirty="0"/>
           </a:p>
         </p:txBody>
       </p:sp>
       <p:sp>
         <p:nvSpPr>
-          <p:cNvPr id="5" name="Footer Placeholder 4">
+          <p:cNvPr id="8" name="Footer Placeholder 7">
             <a:extLst>
               <a:ext uri="{FF2B5EF4-FFF2-40B4-BE49-F238E27FC236}">
-                <a16:creationId xmlns:a16="http://schemas.microsoft.com/office/drawing/2014/main" id="{9AE12413-FEDA-0F4D-5DB3-CF3F85CB6203}"/>
+                <a16:creationId xmlns:a16="http://schemas.microsoft.com/office/drawing/2014/main" id="{189422CD-6F62-4DD6-89EF-07A60B42D219}"/>
               </a:ext>
             </a:extLst>
           </p:cNvPr>
@@ -4013,16 +4228,16 @@
           <a:bodyPr/>
           <a:lstStyle/>
           <a:p>
-            <a:endParaRPr lang="en-US"/>
+            <a:endParaRPr lang="en-US" dirty="0"/>
           </a:p>
         </p:txBody>
       </p:sp>
       <p:sp>
         <p:nvSpPr>
-          <p:cNvPr id="6" name="Slide Number Placeholder 5">
+          <p:cNvPr id="11" name="Slide Number Placeholder 10">
             <a:extLst>
               <a:ext uri="{FF2B5EF4-FFF2-40B4-BE49-F238E27FC236}">
-                <a16:creationId xmlns:a16="http://schemas.microsoft.com/office/drawing/2014/main" id="{FD417F6A-6E05-A1BE-3EC6-C97215DC0DB6}"/>
+                <a16:creationId xmlns:a16="http://schemas.microsoft.com/office/drawing/2014/main" id="{69C6AFF8-42B4-4D05-969B-9F5FB3355555}"/>
               </a:ext>
             </a:extLst>
           </p:cNvPr>
@@ -4038,18 +4253,18 @@
           <a:bodyPr/>
           <a:lstStyle/>
           <a:p>
-            <a:fld id="{6F3AFFD1-C8B5-6B4A-BF4C-CBF1582BC32D}" type="slidenum">
+            <a:fld id="{3A98EE3D-8CD1-4C3F-BD1C-C98C9596463C}" type="slidenum">
               <a:rPr lang="en-US" smtClean="0"/>
               <a:t>‹#›</a:t>
             </a:fld>
-            <a:endParaRPr lang="en-US"/>
+            <a:endParaRPr lang="en-US" dirty="0"/>
           </a:p>
         </p:txBody>
       </p:sp>
     </p:spTree>
     <p:extLst>
       <p:ext uri="{BB962C8B-B14F-4D97-AF65-F5344CB8AC3E}">
-        <p14:creationId xmlns:p14="http://schemas.microsoft.com/office/powerpoint/2010/main" val="695435187"/>
+        <p14:creationId xmlns:p14="http://schemas.microsoft.com/office/powerpoint/2010/main" val="1059828608"/>
       </p:ext>
     </p:extLst>
   </p:cSld>
@@ -4078,13 +4293,7 @@
       </p:grpSpPr>
       <p:sp>
         <p:nvSpPr>
-          <p:cNvPr id="2" name="Title 1">
-            <a:extLst>
-              <a:ext uri="{FF2B5EF4-FFF2-40B4-BE49-F238E27FC236}">
-                <a16:creationId xmlns:a16="http://schemas.microsoft.com/office/drawing/2014/main" id="{3BBCB634-140E-C909-7924-7EC50B08D61C}"/>
-              </a:ext>
-            </a:extLst>
-          </p:cNvPr>
+          <p:cNvPr id="8" name="Title 7"/>
           <p:cNvSpPr>
             <a:spLocks noGrp="1"/>
           </p:cNvSpPr>
@@ -4092,7 +4301,12 @@
             <p:ph type="title"/>
           </p:nvPr>
         </p:nvSpPr>
-        <p:spPr/>
+        <p:spPr>
+          <a:xfrm>
+            <a:off x="1097280" y="286603"/>
+            <a:ext cx="10058400" cy="1450757"/>
+          </a:xfrm>
+        </p:spPr>
         <p:txBody>
           <a:bodyPr/>
           <a:lstStyle/>
@@ -4101,18 +4315,13 @@
               <a:rPr lang="en-US"/>
               <a:t>Click to edit Master title style</a:t>
             </a:r>
+            <a:endParaRPr lang="en-US" dirty="0"/>
           </a:p>
         </p:txBody>
       </p:sp>
       <p:sp>
         <p:nvSpPr>
-          <p:cNvPr id="3" name="Content Placeholder 2">
-            <a:extLst>
-              <a:ext uri="{FF2B5EF4-FFF2-40B4-BE49-F238E27FC236}">
-                <a16:creationId xmlns:a16="http://schemas.microsoft.com/office/drawing/2014/main" id="{D9C231B1-5D6A-D622-AB02-A79CD423DF27}"/>
-              </a:ext>
-            </a:extLst>
-          </p:cNvPr>
+          <p:cNvPr id="3" name="Content Placeholder 2"/>
           <p:cNvSpPr>
             <a:spLocks noGrp="1"/>
           </p:cNvSpPr>
@@ -4122,8 +4331,8 @@
         </p:nvSpPr>
         <p:spPr>
           <a:xfrm>
-            <a:off x="838200" y="1825625"/>
-            <a:ext cx="5181600" cy="4351338"/>
+            <a:off x="1097280" y="2120900"/>
+            <a:ext cx="4639736" cy="3748193"/>
           </a:xfrm>
         </p:spPr>
         <p:txBody>
@@ -4163,18 +4372,13 @@
               <a:rPr lang="en-US"/>
               <a:t>Fifth level</a:t>
             </a:r>
+            <a:endParaRPr lang="en-US" dirty="0"/>
           </a:p>
         </p:txBody>
       </p:sp>
       <p:sp>
         <p:nvSpPr>
-          <p:cNvPr id="4" name="Content Placeholder 3">
-            <a:extLst>
-              <a:ext uri="{FF2B5EF4-FFF2-40B4-BE49-F238E27FC236}">
-                <a16:creationId xmlns:a16="http://schemas.microsoft.com/office/drawing/2014/main" id="{C36B6803-DB05-451F-0EFB-DEE2FC8ED50A}"/>
-              </a:ext>
-            </a:extLst>
-          </p:cNvPr>
+          <p:cNvPr id="4" name="Content Placeholder 3"/>
           <p:cNvSpPr>
             <a:spLocks noGrp="1"/>
           </p:cNvSpPr>
@@ -4184,8 +4388,8 @@
         </p:nvSpPr>
         <p:spPr>
           <a:xfrm>
-            <a:off x="6172200" y="1825625"/>
-            <a:ext cx="5181600" cy="4351338"/>
+            <a:off x="6515944" y="2120900"/>
+            <a:ext cx="4639736" cy="3748194"/>
           </a:xfrm>
         </p:spPr>
         <p:txBody>
@@ -4225,15 +4429,16 @@
               <a:rPr lang="en-US"/>
               <a:t>Fifth level</a:t>
             </a:r>
+            <a:endParaRPr lang="en-US" dirty="0"/>
           </a:p>
         </p:txBody>
       </p:sp>
       <p:sp>
         <p:nvSpPr>
-          <p:cNvPr id="5" name="Date Placeholder 4">
+          <p:cNvPr id="2" name="Date Placeholder 1">
             <a:extLst>
               <a:ext uri="{FF2B5EF4-FFF2-40B4-BE49-F238E27FC236}">
-                <a16:creationId xmlns:a16="http://schemas.microsoft.com/office/drawing/2014/main" id="{0D876DCC-C2F3-D4FE-FDB6-DB86CF7D993C}"/>
+                <a16:creationId xmlns:a16="http://schemas.microsoft.com/office/drawing/2014/main" id="{5782D47D-B0DC-4C40-BCC6-BBBA32584A38}"/>
               </a:ext>
             </a:extLst>
           </p:cNvPr>
@@ -4249,20 +4454,20 @@
           <a:bodyPr/>
           <a:lstStyle/>
           <a:p>
-            <a:fld id="{AFE8374F-D609-D548-9B37-88388F64639D}" type="datetimeFigureOut">
+            <a:fld id="{BAAAC38D-0552-4C82-B593-E6124DFADBE2}" type="datetime1">
               <a:rPr lang="en-US" smtClean="0"/>
-              <a:t>8/13/24</a:t>
+              <a:t>8/26/24</a:t>
             </a:fld>
-            <a:endParaRPr lang="en-US"/>
+            <a:endParaRPr lang="en-US" dirty="0"/>
           </a:p>
         </p:txBody>
       </p:sp>
       <p:sp>
         <p:nvSpPr>
-          <p:cNvPr id="6" name="Footer Placeholder 5">
+          <p:cNvPr id="9" name="Footer Placeholder 8">
             <a:extLst>
               <a:ext uri="{FF2B5EF4-FFF2-40B4-BE49-F238E27FC236}">
-                <a16:creationId xmlns:a16="http://schemas.microsoft.com/office/drawing/2014/main" id="{AFA98589-1D68-753B-978B-227E811219F0}"/>
+                <a16:creationId xmlns:a16="http://schemas.microsoft.com/office/drawing/2014/main" id="{4690D34E-7EBD-44B2-83CA-4C126A18D7EF}"/>
               </a:ext>
             </a:extLst>
           </p:cNvPr>
@@ -4278,16 +4483,16 @@
           <a:bodyPr/>
           <a:lstStyle/>
           <a:p>
-            <a:endParaRPr lang="en-US"/>
+            <a:endParaRPr lang="en-US" dirty="0"/>
           </a:p>
         </p:txBody>
       </p:sp>
       <p:sp>
         <p:nvSpPr>
-          <p:cNvPr id="7" name="Slide Number Placeholder 6">
+          <p:cNvPr id="10" name="Slide Number Placeholder 9">
             <a:extLst>
               <a:ext uri="{FF2B5EF4-FFF2-40B4-BE49-F238E27FC236}">
-                <a16:creationId xmlns:a16="http://schemas.microsoft.com/office/drawing/2014/main" id="{1033C054-F35F-33F4-E474-94F080C860D6}"/>
+                <a16:creationId xmlns:a16="http://schemas.microsoft.com/office/drawing/2014/main" id="{2AC511A1-9BBD-42DE-92FB-2AF44F8E97A9}"/>
               </a:ext>
             </a:extLst>
           </p:cNvPr>
@@ -4303,18 +4508,18 @@
           <a:bodyPr/>
           <a:lstStyle/>
           <a:p>
-            <a:fld id="{6F3AFFD1-C8B5-6B4A-BF4C-CBF1582BC32D}" type="slidenum">
+            <a:fld id="{3A98EE3D-8CD1-4C3F-BD1C-C98C9596463C}" type="slidenum">
               <a:rPr lang="en-US" smtClean="0"/>
               <a:t>‹#›</a:t>
             </a:fld>
-            <a:endParaRPr lang="en-US"/>
+            <a:endParaRPr lang="en-US" dirty="0"/>
           </a:p>
         </p:txBody>
       </p:sp>
     </p:spTree>
     <p:extLst>
       <p:ext uri="{BB962C8B-B14F-4D97-AF65-F5344CB8AC3E}">
-        <p14:creationId xmlns:p14="http://schemas.microsoft.com/office/powerpoint/2010/main" val="3499157813"/>
+        <p14:creationId xmlns:p14="http://schemas.microsoft.com/office/powerpoint/2010/main" val="1437244453"/>
       </p:ext>
     </p:extLst>
   </p:cSld>
@@ -4343,13 +4548,7 @@
       </p:grpSpPr>
       <p:sp>
         <p:nvSpPr>
-          <p:cNvPr id="2" name="Title 1">
-            <a:extLst>
-              <a:ext uri="{FF2B5EF4-FFF2-40B4-BE49-F238E27FC236}">
-                <a16:creationId xmlns:a16="http://schemas.microsoft.com/office/drawing/2014/main" id="{FB0909C1-ACA1-7C96-8A72-F93A1B4E5AE5}"/>
-              </a:ext>
-            </a:extLst>
-          </p:cNvPr>
+          <p:cNvPr id="10" name="Title 9"/>
           <p:cNvSpPr>
             <a:spLocks noGrp="1"/>
           </p:cNvSpPr>
@@ -4359,8 +4558,8 @@
         </p:nvSpPr>
         <p:spPr>
           <a:xfrm>
-            <a:off x="839788" y="365125"/>
-            <a:ext cx="10515600" cy="1325563"/>
+            <a:off x="1097280" y="286603"/>
+            <a:ext cx="10058400" cy="1450757"/>
           </a:xfrm>
         </p:spPr>
         <p:txBody>
@@ -4371,18 +4570,13 @@
               <a:rPr lang="en-US"/>
               <a:t>Click to edit Master title style</a:t>
             </a:r>
+            <a:endParaRPr lang="en-US" dirty="0"/>
           </a:p>
         </p:txBody>
       </p:sp>
       <p:sp>
         <p:nvSpPr>
-          <p:cNvPr id="3" name="Text Placeholder 2">
-            <a:extLst>
-              <a:ext uri="{FF2B5EF4-FFF2-40B4-BE49-F238E27FC236}">
-                <a16:creationId xmlns:a16="http://schemas.microsoft.com/office/drawing/2014/main" id="{401589F9-B7FF-5F8F-AAE9-B969DD483D64}"/>
-              </a:ext>
-            </a:extLst>
-          </p:cNvPr>
+          <p:cNvPr id="3" name="Text Placeholder 2"/>
           <p:cNvSpPr>
             <a:spLocks noGrp="1"/>
           </p:cNvSpPr>
@@ -4392,16 +4586,22 @@
         </p:nvSpPr>
         <p:spPr>
           <a:xfrm>
-            <a:off x="839788" y="1681163"/>
-            <a:ext cx="5157787" cy="823912"/>
+            <a:off x="1097280" y="2057400"/>
+            <a:ext cx="4639736" cy="736282"/>
           </a:xfrm>
         </p:spPr>
         <p:txBody>
-          <a:bodyPr anchor="b"/>
+          <a:bodyPr lIns="91440" rIns="91440" anchor="ctr">
+            <a:normAutofit/>
+          </a:bodyPr>
           <a:lstStyle>
             <a:lvl1pPr marL="0" indent="0">
               <a:buNone/>
-              <a:defRPr sz="2400" b="1"/>
+              <a:defRPr sz="2000" b="0" cap="all" baseline="0">
+                <a:solidFill>
+                  <a:schemeClr val="tx1"/>
+                </a:solidFill>
+              </a:defRPr>
             </a:lvl1pPr>
             <a:lvl2pPr marL="457200" indent="0">
               <a:buNone/>
@@ -4447,13 +4647,7 @@
       </p:sp>
       <p:sp>
         <p:nvSpPr>
-          <p:cNvPr id="4" name="Content Placeholder 3">
-            <a:extLst>
-              <a:ext uri="{FF2B5EF4-FFF2-40B4-BE49-F238E27FC236}">
-                <a16:creationId xmlns:a16="http://schemas.microsoft.com/office/drawing/2014/main" id="{0B66B994-A1EB-591F-CCC6-2167434C8641}"/>
-              </a:ext>
-            </a:extLst>
-          </p:cNvPr>
+          <p:cNvPr id="4" name="Content Placeholder 3"/>
           <p:cNvSpPr>
             <a:spLocks noGrp="1"/>
           </p:cNvSpPr>
@@ -4463,8 +4657,8 @@
         </p:nvSpPr>
         <p:spPr>
           <a:xfrm>
-            <a:off x="839788" y="2505075"/>
-            <a:ext cx="5157787" cy="3684588"/>
+            <a:off x="1097280" y="2958274"/>
+            <a:ext cx="4639736" cy="2910821"/>
           </a:xfrm>
         </p:spPr>
         <p:txBody>
@@ -4504,18 +4698,13 @@
               <a:rPr lang="en-US"/>
               <a:t>Fifth level</a:t>
             </a:r>
+            <a:endParaRPr lang="en-US" dirty="0"/>
           </a:p>
         </p:txBody>
       </p:sp>
       <p:sp>
         <p:nvSpPr>
-          <p:cNvPr id="5" name="Text Placeholder 4">
-            <a:extLst>
-              <a:ext uri="{FF2B5EF4-FFF2-40B4-BE49-F238E27FC236}">
-                <a16:creationId xmlns:a16="http://schemas.microsoft.com/office/drawing/2014/main" id="{239B4BD2-8092-61FE-ABF3-724EBAF0D661}"/>
-              </a:ext>
-            </a:extLst>
-          </p:cNvPr>
+          <p:cNvPr id="5" name="Text Placeholder 4"/>
           <p:cNvSpPr>
             <a:spLocks noGrp="1"/>
           </p:cNvSpPr>
@@ -4525,16 +4714,22 @@
         </p:nvSpPr>
         <p:spPr>
           <a:xfrm>
-            <a:off x="6172200" y="1681163"/>
-            <a:ext cx="5183188" cy="823912"/>
+            <a:off x="6515944" y="2057400"/>
+            <a:ext cx="4639736" cy="736282"/>
           </a:xfrm>
         </p:spPr>
         <p:txBody>
-          <a:bodyPr anchor="b"/>
+          <a:bodyPr lIns="91440" rIns="91440" anchor="ctr">
+            <a:normAutofit/>
+          </a:bodyPr>
           <a:lstStyle>
             <a:lvl1pPr marL="0" indent="0">
               <a:buNone/>
-              <a:defRPr sz="2400" b="1"/>
+              <a:defRPr sz="2000" b="0" cap="all" baseline="0">
+                <a:solidFill>
+                  <a:schemeClr val="tx1"/>
+                </a:solidFill>
+              </a:defRPr>
             </a:lvl1pPr>
             <a:lvl2pPr marL="457200" indent="0">
               <a:buNone/>
@@ -4580,13 +4775,7 @@
       </p:sp>
       <p:sp>
         <p:nvSpPr>
-          <p:cNvPr id="6" name="Content Placeholder 5">
-            <a:extLst>
-              <a:ext uri="{FF2B5EF4-FFF2-40B4-BE49-F238E27FC236}">
-                <a16:creationId xmlns:a16="http://schemas.microsoft.com/office/drawing/2014/main" id="{D56A14A3-C656-B131-E804-9A6E01454D12}"/>
-              </a:ext>
-            </a:extLst>
-          </p:cNvPr>
+          <p:cNvPr id="6" name="Content Placeholder 5"/>
           <p:cNvSpPr>
             <a:spLocks noGrp="1"/>
           </p:cNvSpPr>
@@ -4596,8 +4785,8 @@
         </p:nvSpPr>
         <p:spPr>
           <a:xfrm>
-            <a:off x="6172200" y="2505075"/>
-            <a:ext cx="5183188" cy="3684588"/>
+            <a:off x="6515944" y="2958273"/>
+            <a:ext cx="4639736" cy="2910821"/>
           </a:xfrm>
         </p:spPr>
         <p:txBody>
@@ -4637,15 +4826,16 @@
               <a:rPr lang="en-US"/>
               <a:t>Fifth level</a:t>
             </a:r>
+            <a:endParaRPr lang="en-US" dirty="0"/>
           </a:p>
         </p:txBody>
       </p:sp>
       <p:sp>
         <p:nvSpPr>
-          <p:cNvPr id="7" name="Date Placeholder 6">
+          <p:cNvPr id="2" name="Date Placeholder 1">
             <a:extLst>
               <a:ext uri="{FF2B5EF4-FFF2-40B4-BE49-F238E27FC236}">
-                <a16:creationId xmlns:a16="http://schemas.microsoft.com/office/drawing/2014/main" id="{B2AC0B55-3D3E-7547-7B4B-E36AF78A43FB}"/>
+                <a16:creationId xmlns:a16="http://schemas.microsoft.com/office/drawing/2014/main" id="{8AF8A515-AA94-45D1-9223-5C2272618D85}"/>
               </a:ext>
             </a:extLst>
           </p:cNvPr>
@@ -4661,20 +4851,20 @@
           <a:bodyPr/>
           <a:lstStyle/>
           <a:p>
-            <a:fld id="{AFE8374F-D609-D548-9B37-88388F64639D}" type="datetimeFigureOut">
+            <a:fld id="{D9DF0F1C-5577-4ACB-BB62-DF8F3C494C7E}" type="datetime1">
               <a:rPr lang="en-US" smtClean="0"/>
-              <a:t>8/13/24</a:t>
+              <a:t>8/26/24</a:t>
             </a:fld>
-            <a:endParaRPr lang="en-US"/>
+            <a:endParaRPr lang="en-US" dirty="0"/>
           </a:p>
         </p:txBody>
       </p:sp>
       <p:sp>
         <p:nvSpPr>
-          <p:cNvPr id="8" name="Footer Placeholder 7">
+          <p:cNvPr id="11" name="Footer Placeholder 10">
             <a:extLst>
               <a:ext uri="{FF2B5EF4-FFF2-40B4-BE49-F238E27FC236}">
-                <a16:creationId xmlns:a16="http://schemas.microsoft.com/office/drawing/2014/main" id="{55C771CF-A61C-BF6C-F42E-6679E6FBE525}"/>
+                <a16:creationId xmlns:a16="http://schemas.microsoft.com/office/drawing/2014/main" id="{D052F5BC-98E0-4D60-AD67-9547738B7DD4}"/>
               </a:ext>
             </a:extLst>
           </p:cNvPr>
@@ -4690,16 +4880,16 @@
           <a:bodyPr/>
           <a:lstStyle/>
           <a:p>
-            <a:endParaRPr lang="en-US"/>
+            <a:endParaRPr lang="en-US" dirty="0"/>
           </a:p>
         </p:txBody>
       </p:sp>
       <p:sp>
         <p:nvSpPr>
-          <p:cNvPr id="9" name="Slide Number Placeholder 8">
+          <p:cNvPr id="12" name="Slide Number Placeholder 11">
             <a:extLst>
               <a:ext uri="{FF2B5EF4-FFF2-40B4-BE49-F238E27FC236}">
-                <a16:creationId xmlns:a16="http://schemas.microsoft.com/office/drawing/2014/main" id="{2D4D25C6-45DD-A2B3-9659-5F58EDC7B6E0}"/>
+                <a16:creationId xmlns:a16="http://schemas.microsoft.com/office/drawing/2014/main" id="{A38552DC-952E-41EA-AAAF-C2187523C0B0}"/>
               </a:ext>
             </a:extLst>
           </p:cNvPr>
@@ -4715,18 +4905,18 @@
           <a:bodyPr/>
           <a:lstStyle/>
           <a:p>
-            <a:fld id="{6F3AFFD1-C8B5-6B4A-BF4C-CBF1582BC32D}" type="slidenum">
+            <a:fld id="{3A98EE3D-8CD1-4C3F-BD1C-C98C9596463C}" type="slidenum">
               <a:rPr lang="en-US" smtClean="0"/>
               <a:t>‹#›</a:t>
             </a:fld>
-            <a:endParaRPr lang="en-US"/>
+            <a:endParaRPr lang="en-US" dirty="0"/>
           </a:p>
         </p:txBody>
       </p:sp>
     </p:spTree>
     <p:extLst>
       <p:ext uri="{BB962C8B-B14F-4D97-AF65-F5344CB8AC3E}">
-        <p14:creationId xmlns:p14="http://schemas.microsoft.com/office/powerpoint/2010/main" val="1132809029"/>
+        <p14:creationId xmlns:p14="http://schemas.microsoft.com/office/powerpoint/2010/main" val="521916088"/>
       </p:ext>
     </p:extLst>
   </p:cSld>
@@ -4755,13 +4945,7 @@
       </p:grpSpPr>
       <p:sp>
         <p:nvSpPr>
-          <p:cNvPr id="2" name="Title 1">
-            <a:extLst>
-              <a:ext uri="{FF2B5EF4-FFF2-40B4-BE49-F238E27FC236}">
-                <a16:creationId xmlns:a16="http://schemas.microsoft.com/office/drawing/2014/main" id="{B72280D3-81B0-AEA6-12DD-A041C517D37D}"/>
-              </a:ext>
-            </a:extLst>
-          </p:cNvPr>
+          <p:cNvPr id="2" name="Title 1"/>
           <p:cNvSpPr>
             <a:spLocks noGrp="1"/>
           </p:cNvSpPr>
@@ -4778,15 +4962,16 @@
               <a:rPr lang="en-US"/>
               <a:t>Click to edit Master title style</a:t>
             </a:r>
+            <a:endParaRPr lang="en-US" dirty="0"/>
           </a:p>
         </p:txBody>
       </p:sp>
       <p:sp>
         <p:nvSpPr>
-          <p:cNvPr id="3" name="Date Placeholder 2">
+          <p:cNvPr id="6" name="Date Placeholder 5">
             <a:extLst>
               <a:ext uri="{FF2B5EF4-FFF2-40B4-BE49-F238E27FC236}">
-                <a16:creationId xmlns:a16="http://schemas.microsoft.com/office/drawing/2014/main" id="{CDFBE758-EB9F-077A-42DF-405AB5D67466}"/>
+                <a16:creationId xmlns:a16="http://schemas.microsoft.com/office/drawing/2014/main" id="{7392073F-158F-44A3-8913-917AFFC1BC20}"/>
               </a:ext>
             </a:extLst>
           </p:cNvPr>
@@ -4802,20 +4987,20 @@
           <a:bodyPr/>
           <a:lstStyle/>
           <a:p>
-            <a:fld id="{AFE8374F-D609-D548-9B37-88388F64639D}" type="datetimeFigureOut">
+            <a:fld id="{1775B394-D9F9-4F0C-B15D-605F45CB9E9F}" type="datetime1">
               <a:rPr lang="en-US" smtClean="0"/>
-              <a:t>8/13/24</a:t>
+              <a:t>8/26/24</a:t>
             </a:fld>
-            <a:endParaRPr lang="en-US"/>
+            <a:endParaRPr lang="en-US" dirty="0"/>
           </a:p>
         </p:txBody>
       </p:sp>
       <p:sp>
         <p:nvSpPr>
-          <p:cNvPr id="4" name="Footer Placeholder 3">
+          <p:cNvPr id="7" name="Footer Placeholder 6">
             <a:extLst>
               <a:ext uri="{FF2B5EF4-FFF2-40B4-BE49-F238E27FC236}">
-                <a16:creationId xmlns:a16="http://schemas.microsoft.com/office/drawing/2014/main" id="{D424E194-44FA-B4EC-9B97-FBC90D891AFC}"/>
+                <a16:creationId xmlns:a16="http://schemas.microsoft.com/office/drawing/2014/main" id="{EED72207-24CA-42B7-A975-2F8E41CBA904}"/>
               </a:ext>
             </a:extLst>
           </p:cNvPr>
@@ -4831,16 +5016,16 @@
           <a:bodyPr/>
           <a:lstStyle/>
           <a:p>
-            <a:endParaRPr lang="en-US"/>
+            <a:endParaRPr lang="en-US" dirty="0"/>
           </a:p>
         </p:txBody>
       </p:sp>
       <p:sp>
         <p:nvSpPr>
-          <p:cNvPr id="5" name="Slide Number Placeholder 4">
+          <p:cNvPr id="8" name="Slide Number Placeholder 7">
             <a:extLst>
               <a:ext uri="{FF2B5EF4-FFF2-40B4-BE49-F238E27FC236}">
-                <a16:creationId xmlns:a16="http://schemas.microsoft.com/office/drawing/2014/main" id="{C6961C9A-B6B2-90D6-4564-7C95A1F6E1D0}"/>
+                <a16:creationId xmlns:a16="http://schemas.microsoft.com/office/drawing/2014/main" id="{D01080F2-251A-4B88-9A62-16F46D724F83}"/>
               </a:ext>
             </a:extLst>
           </p:cNvPr>
@@ -4856,18 +5041,18 @@
           <a:bodyPr/>
           <a:lstStyle/>
           <a:p>
-            <a:fld id="{6F3AFFD1-C8B5-6B4A-BF4C-CBF1582BC32D}" type="slidenum">
+            <a:fld id="{3A98EE3D-8CD1-4C3F-BD1C-C98C9596463C}" type="slidenum">
               <a:rPr lang="en-US" smtClean="0"/>
               <a:t>‹#›</a:t>
             </a:fld>
-            <a:endParaRPr lang="en-US"/>
+            <a:endParaRPr lang="en-US" dirty="0"/>
           </a:p>
         </p:txBody>
       </p:sp>
     </p:spTree>
     <p:extLst>
       <p:ext uri="{BB962C8B-B14F-4D97-AF65-F5344CB8AC3E}">
-        <p14:creationId xmlns:p14="http://schemas.microsoft.com/office/powerpoint/2010/main" val="1155713209"/>
+        <p14:creationId xmlns:p14="http://schemas.microsoft.com/office/powerpoint/2010/main" val="3860286251"/>
       </p:ext>
     </p:extLst>
   </p:cSld>
@@ -4878,7 +5063,7 @@
 </file>
 
 <file path=ppt/slideLayouts/slideLayout7.xml><?xml version="1.0" encoding="utf-8"?>
-<p:sldLayout xmlns:a="http://schemas.openxmlformats.org/drawingml/2006/main" xmlns:r="http://schemas.openxmlformats.org/officeDocument/2006/relationships" xmlns:p="http://schemas.openxmlformats.org/presentationml/2006/main" type="blank" preserve="1">
+<p:sldLayout xmlns:a="http://schemas.openxmlformats.org/drawingml/2006/main" xmlns:r="http://schemas.openxmlformats.org/officeDocument/2006/relationships" xmlns:p="http://schemas.openxmlformats.org/presentationml/2006/main" showMasterSp="0" type="blank" preserve="1">
   <p:cSld name="Blank">
     <p:spTree>
       <p:nvGrpSpPr>
@@ -4896,10 +5081,54 @@
       </p:grpSpPr>
       <p:sp>
         <p:nvSpPr>
+          <p:cNvPr id="10" name="Rectangle 9">
+            <a:extLst>
+              <a:ext uri="{FF2B5EF4-FFF2-40B4-BE49-F238E27FC236}">
+                <a16:creationId xmlns:a16="http://schemas.microsoft.com/office/drawing/2014/main" id="{A8E9C91B-7EAD-4562-AB0E-DFB9663AECE3}"/>
+              </a:ext>
+            </a:extLst>
+          </p:cNvPr>
+          <p:cNvSpPr/>
+          <p:nvPr/>
+        </p:nvSpPr>
+        <p:spPr>
+          <a:xfrm>
+            <a:off x="3175" y="6400800"/>
+            <a:ext cx="12188825" cy="457200"/>
+          </a:xfrm>
+          <a:prstGeom prst="rect">
+            <a:avLst/>
+          </a:prstGeom>
+          <a:solidFill>
+            <a:srgbClr val="262626"/>
+          </a:solidFill>
+          <a:ln>
+            <a:noFill/>
+          </a:ln>
+        </p:spPr>
+        <p:style>
+          <a:lnRef idx="2">
+            <a:schemeClr val="accent1">
+              <a:shade val="50000"/>
+            </a:schemeClr>
+          </a:lnRef>
+          <a:fillRef idx="1">
+            <a:schemeClr val="accent1"/>
+          </a:fillRef>
+          <a:effectRef idx="0">
+            <a:schemeClr val="accent1"/>
+          </a:effectRef>
+          <a:fontRef idx="minor">
+            <a:schemeClr val="lt1"/>
+          </a:fontRef>
+        </p:style>
+      </p:sp>
+      <p:sp>
+        <p:nvSpPr>
           <p:cNvPr id="2" name="Date Placeholder 1">
             <a:extLst>
               <a:ext uri="{FF2B5EF4-FFF2-40B4-BE49-F238E27FC236}">
-                <a16:creationId xmlns:a16="http://schemas.microsoft.com/office/drawing/2014/main" id="{50590225-CD72-D51C-F2A0-529C4591C9D6}"/>
+                <a16:creationId xmlns:a16="http://schemas.microsoft.com/office/drawing/2014/main" id="{94E9223F-721F-47BF-9FD5-0F8D12FF0DE1}"/>
               </a:ext>
             </a:extLst>
           </p:cNvPr>
@@ -4915,11 +5144,11 @@
           <a:bodyPr/>
           <a:lstStyle/>
           <a:p>
-            <a:fld id="{AFE8374F-D609-D548-9B37-88388F64639D}" type="datetimeFigureOut">
+            <a:fld id="{39667345-2558-425A-8533-9BFDBCE15005}" type="datetime1">
               <a:rPr lang="en-US" smtClean="0"/>
-              <a:t>8/13/24</a:t>
+              <a:t>8/26/24</a:t>
             </a:fld>
-            <a:endParaRPr lang="en-US"/>
+            <a:endParaRPr lang="en-US" dirty="0"/>
           </a:p>
         </p:txBody>
       </p:sp>
@@ -4928,7 +5157,7 @@
           <p:cNvPr id="3" name="Footer Placeholder 2">
             <a:extLst>
               <a:ext uri="{FF2B5EF4-FFF2-40B4-BE49-F238E27FC236}">
-                <a16:creationId xmlns:a16="http://schemas.microsoft.com/office/drawing/2014/main" id="{C4885F9C-45CD-73B4-5556-875263972E19}"/>
+                <a16:creationId xmlns:a16="http://schemas.microsoft.com/office/drawing/2014/main" id="{05915714-6BBA-4593-8591-4E26F7D58D9F}"/>
               </a:ext>
             </a:extLst>
           </p:cNvPr>
@@ -4944,7 +5173,7 @@
           <a:bodyPr/>
           <a:lstStyle/>
           <a:p>
-            <a:endParaRPr lang="en-US"/>
+            <a:endParaRPr lang="en-US" dirty="0"/>
           </a:p>
         </p:txBody>
       </p:sp>
@@ -4953,7 +5182,7 @@
           <p:cNvPr id="4" name="Slide Number Placeholder 3">
             <a:extLst>
               <a:ext uri="{FF2B5EF4-FFF2-40B4-BE49-F238E27FC236}">
-                <a16:creationId xmlns:a16="http://schemas.microsoft.com/office/drawing/2014/main" id="{50714714-055B-3E76-0382-E68FD3A24626}"/>
+                <a16:creationId xmlns:a16="http://schemas.microsoft.com/office/drawing/2014/main" id="{BE06F857-D2E1-44DD-ABDD-EBB739645B67}"/>
               </a:ext>
             </a:extLst>
           </p:cNvPr>
@@ -4969,18 +5198,18 @@
           <a:bodyPr/>
           <a:lstStyle/>
           <a:p>
-            <a:fld id="{6F3AFFD1-C8B5-6B4A-BF4C-CBF1582BC32D}" type="slidenum">
+            <a:fld id="{3A98EE3D-8CD1-4C3F-BD1C-C98C9596463C}" type="slidenum">
               <a:rPr lang="en-US" smtClean="0"/>
               <a:t>‹#›</a:t>
             </a:fld>
-            <a:endParaRPr lang="en-US"/>
+            <a:endParaRPr lang="en-US" dirty="0"/>
           </a:p>
         </p:txBody>
       </p:sp>
     </p:spTree>
     <p:extLst>
       <p:ext uri="{BB962C8B-B14F-4D97-AF65-F5344CB8AC3E}">
-        <p14:creationId xmlns:p14="http://schemas.microsoft.com/office/powerpoint/2010/main" val="3334561694"/>
+        <p14:creationId xmlns:p14="http://schemas.microsoft.com/office/powerpoint/2010/main" val="1246531091"/>
       </p:ext>
     </p:extLst>
   </p:cSld>
@@ -4991,7 +5220,7 @@
 </file>
 
 <file path=ppt/slideLayouts/slideLayout8.xml><?xml version="1.0" encoding="utf-8"?>
-<p:sldLayout xmlns:a="http://schemas.openxmlformats.org/drawingml/2006/main" xmlns:r="http://schemas.openxmlformats.org/officeDocument/2006/relationships" xmlns:p="http://schemas.openxmlformats.org/presentationml/2006/main" type="objTx" preserve="1">
+<p:sldLayout xmlns:a="http://schemas.openxmlformats.org/drawingml/2006/main" xmlns:r="http://schemas.openxmlformats.org/officeDocument/2006/relationships" xmlns:p="http://schemas.openxmlformats.org/presentationml/2006/main" showMasterSp="0" type="objTx" preserve="1">
   <p:cSld name="Content with Caption">
     <p:spTree>
       <p:nvGrpSpPr>
@@ -5009,13 +5238,51 @@
       </p:grpSpPr>
       <p:sp>
         <p:nvSpPr>
-          <p:cNvPr id="2" name="Title 1">
+          <p:cNvPr id="8" name="Rectangle 7">
             <a:extLst>
               <a:ext uri="{FF2B5EF4-FFF2-40B4-BE49-F238E27FC236}">
-                <a16:creationId xmlns:a16="http://schemas.microsoft.com/office/drawing/2014/main" id="{14FC1E55-5B60-38CD-094D-26B3963F552F}"/>
+                <a16:creationId xmlns:a16="http://schemas.microsoft.com/office/drawing/2014/main" id="{16D90D66-BCB9-4229-A829-628874352AC0}"/>
               </a:ext>
             </a:extLst>
           </p:cNvPr>
+          <p:cNvSpPr/>
+          <p:nvPr/>
+        </p:nvSpPr>
+        <p:spPr>
+          <a:xfrm>
+            <a:off x="16" y="0"/>
+            <a:ext cx="4654296" cy="6858000"/>
+          </a:xfrm>
+          <a:prstGeom prst="rect">
+            <a:avLst/>
+          </a:prstGeom>
+          <a:solidFill>
+            <a:srgbClr val="262626"/>
+          </a:solidFill>
+          <a:ln>
+            <a:noFill/>
+          </a:ln>
+        </p:spPr>
+        <p:style>
+          <a:lnRef idx="2">
+            <a:schemeClr val="accent1">
+              <a:shade val="50000"/>
+            </a:schemeClr>
+          </a:lnRef>
+          <a:fillRef idx="1">
+            <a:schemeClr val="accent1"/>
+          </a:fillRef>
+          <a:effectRef idx="0">
+            <a:schemeClr val="accent1"/>
+          </a:effectRef>
+          <a:fontRef idx="minor">
+            <a:schemeClr val="lt1"/>
+          </a:fontRef>
+        </p:style>
+      </p:sp>
+      <p:sp>
+        <p:nvSpPr>
+          <p:cNvPr id="2" name="Title 1"/>
           <p:cNvSpPr>
             <a:spLocks noGrp="1"/>
           </p:cNvSpPr>
@@ -5025,15 +5292,24 @@
         </p:nvSpPr>
         <p:spPr>
           <a:xfrm>
-            <a:off x="839788" y="457200"/>
-            <a:ext cx="3932237" cy="1600200"/>
+            <a:off x="643466" y="786383"/>
+            <a:ext cx="3517567" cy="2093975"/>
           </a:xfrm>
         </p:spPr>
         <p:txBody>
-          <a:bodyPr anchor="b"/>
+          <a:bodyPr anchor="b">
+            <a:normAutofit/>
+          </a:bodyPr>
           <a:lstStyle>
             <a:lvl1pPr>
-              <a:defRPr sz="3200"/>
+              <a:lnSpc>
+                <a:spcPct val="90000"/>
+              </a:lnSpc>
+              <a:defRPr sz="3600" b="0">
+                <a:solidFill>
+                  <a:srgbClr val="FFFFFF"/>
+                </a:solidFill>
+              </a:defRPr>
             </a:lvl1pPr>
           </a:lstStyle>
           <a:p>
@@ -5041,18 +5317,13 @@
               <a:rPr lang="en-US"/>
               <a:t>Click to edit Master title style</a:t>
             </a:r>
+            <a:endParaRPr lang="en-US" dirty="0"/>
           </a:p>
         </p:txBody>
       </p:sp>
       <p:sp>
         <p:nvSpPr>
-          <p:cNvPr id="3" name="Content Placeholder 2">
-            <a:extLst>
-              <a:ext uri="{FF2B5EF4-FFF2-40B4-BE49-F238E27FC236}">
-                <a16:creationId xmlns:a16="http://schemas.microsoft.com/office/drawing/2014/main" id="{1C6FB689-B683-7BD9-093E-AD0A5A15B6C1}"/>
-              </a:ext>
-            </a:extLst>
-          </p:cNvPr>
+          <p:cNvPr id="3" name="Content Placeholder 2"/>
           <p:cNvSpPr>
             <a:spLocks noGrp="1"/>
           </p:cNvSpPr>
@@ -5062,41 +5333,13 @@
         </p:nvSpPr>
         <p:spPr>
           <a:xfrm>
-            <a:off x="5183188" y="987425"/>
-            <a:ext cx="6172200" cy="4873625"/>
+            <a:off x="5458984" y="812799"/>
+            <a:ext cx="5928344" cy="5294757"/>
           </a:xfrm>
         </p:spPr>
         <p:txBody>
           <a:bodyPr/>
-          <a:lstStyle>
-            <a:lvl1pPr>
-              <a:defRPr sz="3200"/>
-            </a:lvl1pPr>
-            <a:lvl2pPr>
-              <a:defRPr sz="2800"/>
-            </a:lvl2pPr>
-            <a:lvl3pPr>
-              <a:defRPr sz="2400"/>
-            </a:lvl3pPr>
-            <a:lvl4pPr>
-              <a:defRPr sz="2000"/>
-            </a:lvl4pPr>
-            <a:lvl5pPr>
-              <a:defRPr sz="2000"/>
-            </a:lvl5pPr>
-            <a:lvl6pPr>
-              <a:defRPr sz="2000"/>
-            </a:lvl6pPr>
-            <a:lvl7pPr>
-              <a:defRPr sz="2000"/>
-            </a:lvl7pPr>
-            <a:lvl8pPr>
-              <a:defRPr sz="2000"/>
-            </a:lvl8pPr>
-            <a:lvl9pPr>
-              <a:defRPr sz="2000"/>
-            </a:lvl9pPr>
-          </a:lstStyle>
+          <a:lstStyle/>
           <a:p>
             <a:pPr lvl="0"/>
             <a:r>
@@ -5131,18 +5374,13 @@
               <a:rPr lang="en-US"/>
               <a:t>Fifth level</a:t>
             </a:r>
+            <a:endParaRPr lang="en-US" dirty="0"/>
           </a:p>
         </p:txBody>
       </p:sp>
       <p:sp>
         <p:nvSpPr>
-          <p:cNvPr id="4" name="Text Placeholder 3">
-            <a:extLst>
-              <a:ext uri="{FF2B5EF4-FFF2-40B4-BE49-F238E27FC236}">
-                <a16:creationId xmlns:a16="http://schemas.microsoft.com/office/drawing/2014/main" id="{CD74ECA6-75C8-C44F-1073-1E1ADBCCA244}"/>
-              </a:ext>
-            </a:extLst>
-          </p:cNvPr>
+          <p:cNvPr id="4" name="Text Placeholder 3"/>
           <p:cNvSpPr>
             <a:spLocks noGrp="1"/>
           </p:cNvSpPr>
@@ -5152,48 +5390,54 @@
         </p:nvSpPr>
         <p:spPr>
           <a:xfrm>
-            <a:off x="839788" y="2057400"/>
-            <a:ext cx="3932237" cy="3811588"/>
+            <a:off x="643465" y="3043050"/>
+            <a:ext cx="3517567" cy="3064505"/>
           </a:xfrm>
         </p:spPr>
         <p:txBody>
-          <a:bodyPr/>
+          <a:bodyPr lIns="91440" rIns="91440">
+            <a:normAutofit/>
+          </a:bodyPr>
           <a:lstStyle>
             <a:lvl1pPr marL="0" indent="0">
               <a:buNone/>
-              <a:defRPr sz="1600"/>
+              <a:defRPr sz="1800">
+                <a:solidFill>
+                  <a:srgbClr val="FFFFFF"/>
+                </a:solidFill>
+              </a:defRPr>
             </a:lvl1pPr>
             <a:lvl2pPr marL="457200" indent="0">
               <a:buNone/>
-              <a:defRPr sz="1400"/>
+              <a:defRPr sz="1200"/>
             </a:lvl2pPr>
             <a:lvl3pPr marL="914400" indent="0">
               <a:buNone/>
-              <a:defRPr sz="1200"/>
+              <a:defRPr sz="1000"/>
             </a:lvl3pPr>
             <a:lvl4pPr marL="1371600" indent="0">
               <a:buNone/>
-              <a:defRPr sz="1000"/>
+              <a:defRPr sz="900"/>
             </a:lvl4pPr>
             <a:lvl5pPr marL="1828800" indent="0">
               <a:buNone/>
-              <a:defRPr sz="1000"/>
+              <a:defRPr sz="900"/>
             </a:lvl5pPr>
             <a:lvl6pPr marL="2286000" indent="0">
               <a:buNone/>
-              <a:defRPr sz="1000"/>
+              <a:defRPr sz="900"/>
             </a:lvl6pPr>
             <a:lvl7pPr marL="2743200" indent="0">
               <a:buNone/>
-              <a:defRPr sz="1000"/>
+              <a:defRPr sz="900"/>
             </a:lvl7pPr>
             <a:lvl8pPr marL="3200400" indent="0">
               <a:buNone/>
-              <a:defRPr sz="1000"/>
+              <a:defRPr sz="900"/>
             </a:lvl8pPr>
             <a:lvl9pPr marL="3657600" indent="0">
               <a:buNone/>
-              <a:defRPr sz="1000"/>
+              <a:defRPr sz="900"/>
             </a:lvl9pPr>
           </a:lstStyle>
           <a:p>
@@ -5207,13 +5451,7 @@
       </p:sp>
       <p:sp>
         <p:nvSpPr>
-          <p:cNvPr id="5" name="Date Placeholder 4">
-            <a:extLst>
-              <a:ext uri="{FF2B5EF4-FFF2-40B4-BE49-F238E27FC236}">
-                <a16:creationId xmlns:a16="http://schemas.microsoft.com/office/drawing/2014/main" id="{577EBD1E-5C8F-F28B-4D18-8EF7E6AAD56A}"/>
-              </a:ext>
-            </a:extLst>
-          </p:cNvPr>
+          <p:cNvPr id="5" name="Date Placeholder 4"/>
           <p:cNvSpPr>
             <a:spLocks noGrp="1"/>
           </p:cNvSpPr>
@@ -5221,28 +5459,31 @@
             <p:ph type="dt" sz="half" idx="10"/>
           </p:nvPr>
         </p:nvSpPr>
-        <p:spPr/>
+        <p:spPr>
+          <a:xfrm>
+            <a:off x="643464" y="6446520"/>
+            <a:ext cx="3517568" cy="365125"/>
+          </a:xfrm>
+        </p:spPr>
         <p:txBody>
           <a:bodyPr/>
-          <a:lstStyle/>
-          <a:p>
-            <a:fld id="{AFE8374F-D609-D548-9B37-88388F64639D}" type="datetimeFigureOut">
+          <a:lstStyle>
+            <a:lvl1pPr algn="l">
+              <a:defRPr/>
+            </a:lvl1pPr>
+          </a:lstStyle>
+          <a:p>
+            <a:fld id="{92BEA474-078D-4E9B-9B14-09A87B19DC46}" type="datetime1">
               <a:rPr lang="en-US" smtClean="0"/>
-              <a:t>8/13/24</a:t>
+              <a:t>8/26/24</a:t>
             </a:fld>
-            <a:endParaRPr lang="en-US"/>
+            <a:endParaRPr lang="en-US" dirty="0"/>
           </a:p>
         </p:txBody>
       </p:sp>
       <p:sp>
         <p:nvSpPr>
-          <p:cNvPr id="6" name="Footer Placeholder 5">
-            <a:extLst>
-              <a:ext uri="{FF2B5EF4-FFF2-40B4-BE49-F238E27FC236}">
-                <a16:creationId xmlns:a16="http://schemas.microsoft.com/office/drawing/2014/main" id="{3EC0CB75-1B5E-8724-0F6B-98AEFE269C29}"/>
-              </a:ext>
-            </a:extLst>
-          </p:cNvPr>
+          <p:cNvPr id="6" name="Footer Placeholder 5"/>
           <p:cNvSpPr>
             <a:spLocks noGrp="1"/>
           </p:cNvSpPr>
@@ -5250,24 +5491,31 @@
             <p:ph type="ftr" sz="quarter" idx="11"/>
           </p:nvPr>
         </p:nvSpPr>
-        <p:spPr/>
+        <p:spPr>
+          <a:xfrm>
+            <a:off x="5458983" y="6446520"/>
+            <a:ext cx="5334019" cy="365125"/>
+          </a:xfrm>
+        </p:spPr>
         <p:txBody>
           <a:bodyPr/>
-          <a:lstStyle/>
-          <a:p>
-            <a:endParaRPr lang="en-US"/>
+          <a:lstStyle>
+            <a:lvl1pPr algn="l">
+              <a:defRPr>
+                <a:solidFill>
+                  <a:schemeClr val="tx2"/>
+                </a:solidFill>
+              </a:defRPr>
+            </a:lvl1pPr>
+          </a:lstStyle>
+          <a:p>
+            <a:endParaRPr lang="en-US" dirty="0"/>
           </a:p>
         </p:txBody>
       </p:sp>
       <p:sp>
         <p:nvSpPr>
-          <p:cNvPr id="7" name="Slide Number Placeholder 6">
-            <a:extLst>
-              <a:ext uri="{FF2B5EF4-FFF2-40B4-BE49-F238E27FC236}">
-                <a16:creationId xmlns:a16="http://schemas.microsoft.com/office/drawing/2014/main" id="{F51E5583-ECBF-8E29-1B83-E0793BDA6617}"/>
-              </a:ext>
-            </a:extLst>
-          </p:cNvPr>
+          <p:cNvPr id="7" name="Slide Number Placeholder 6"/>
           <p:cNvSpPr>
             <a:spLocks noGrp="1"/>
           </p:cNvSpPr>
@@ -5278,20 +5526,29 @@
         <p:spPr/>
         <p:txBody>
           <a:bodyPr/>
-          <a:lstStyle/>
-          <a:p>
-            <a:fld id="{6F3AFFD1-C8B5-6B4A-BF4C-CBF1582BC32D}" type="slidenum">
+          <a:lstStyle>
+            <a:lvl1pPr>
+              <a:defRPr>
+                <a:solidFill>
+                  <a:schemeClr val="tx2"/>
+                </a:solidFill>
+              </a:defRPr>
+            </a:lvl1pPr>
+          </a:lstStyle>
+          <a:p>
+            <a:fld id="{3A98EE3D-8CD1-4C3F-BD1C-C98C9596463C}" type="slidenum">
               <a:rPr lang="en-US" smtClean="0"/>
+              <a:pPr/>
               <a:t>‹#›</a:t>
             </a:fld>
-            <a:endParaRPr lang="en-US"/>
+            <a:endParaRPr lang="en-US" dirty="0"/>
           </a:p>
         </p:txBody>
       </p:sp>
     </p:spTree>
     <p:extLst>
       <p:ext uri="{BB962C8B-B14F-4D97-AF65-F5344CB8AC3E}">
-        <p14:creationId xmlns:p14="http://schemas.microsoft.com/office/powerpoint/2010/main" val="3887618572"/>
+        <p14:creationId xmlns:p14="http://schemas.microsoft.com/office/powerpoint/2010/main" val="3323017101"/>
       </p:ext>
     </p:extLst>
   </p:cSld>
@@ -5302,7 +5559,7 @@
 </file>
 
 <file path=ppt/slideLayouts/slideLayout9.xml><?xml version="1.0" encoding="utf-8"?>
-<p:sldLayout xmlns:a="http://schemas.openxmlformats.org/drawingml/2006/main" xmlns:r="http://schemas.openxmlformats.org/officeDocument/2006/relationships" xmlns:p="http://schemas.openxmlformats.org/presentationml/2006/main" type="picTx" preserve="1">
+<p:sldLayout xmlns:a="http://schemas.openxmlformats.org/drawingml/2006/main" xmlns:r="http://schemas.openxmlformats.org/officeDocument/2006/relationships" xmlns:p="http://schemas.openxmlformats.org/presentationml/2006/main" showMasterSp="0" type="picTx" preserve="1">
   <p:cSld name="Picture with Caption">
     <p:spTree>
       <p:nvGrpSpPr>
@@ -5320,52 +5577,53 @@
       </p:grpSpPr>
       <p:sp>
         <p:nvSpPr>
-          <p:cNvPr id="2" name="Title 1">
+          <p:cNvPr id="8" name="Rectangle 7">
             <a:extLst>
               <a:ext uri="{FF2B5EF4-FFF2-40B4-BE49-F238E27FC236}">
-                <a16:creationId xmlns:a16="http://schemas.microsoft.com/office/drawing/2014/main" id="{C04BB4DA-1FB0-47A8-2F61-44F201E0AEA4}"/>
+                <a16:creationId xmlns:a16="http://schemas.microsoft.com/office/drawing/2014/main" id="{DA134939-39C0-4522-A125-A13DFDA66490}"/>
               </a:ext>
             </a:extLst>
           </p:cNvPr>
-          <p:cNvSpPr>
-            <a:spLocks noGrp="1"/>
-          </p:cNvSpPr>
-          <p:nvPr>
-            <p:ph type="title"/>
-          </p:nvPr>
+          <p:cNvSpPr/>
+          <p:nvPr/>
         </p:nvSpPr>
         <p:spPr>
           <a:xfrm>
-            <a:off x="839788" y="457200"/>
-            <a:ext cx="3932237" cy="1600200"/>
+            <a:off x="0" y="4578350"/>
+            <a:ext cx="12188825" cy="2279650"/>
           </a:xfrm>
+          <a:prstGeom prst="rect">
+            <a:avLst/>
+          </a:prstGeom>
+          <a:solidFill>
+            <a:srgbClr val="262626"/>
+          </a:solidFill>
+          <a:ln>
+            <a:noFill/>
+          </a:ln>
         </p:spPr>
-        <p:txBody>
-          <a:bodyPr anchor="b"/>
-          <a:lstStyle>
-            <a:lvl1pPr>
-              <a:defRPr sz="3200"/>
-            </a:lvl1pPr>
-          </a:lstStyle>
-          <a:p>
-            <a:r>
-              <a:rPr lang="en-US"/>
-              <a:t>Click to edit Master title style</a:t>
-            </a:r>
-          </a:p>
-        </p:txBody>
-      </p:sp>
-      <p:sp>
-        <p:nvSpPr>
-          <p:cNvPr id="3" name="Picture Placeholder 2">
-            <a:extLst>
-              <a:ext uri="{FF2B5EF4-FFF2-40B4-BE49-F238E27FC236}">
-                <a16:creationId xmlns:a16="http://schemas.microsoft.com/office/drawing/2014/main" id="{6E2AA779-B9E4-CCB7-C0EB-5C373C21FFF8}"/>
-              </a:ext>
-            </a:extLst>
-          </p:cNvPr>
+        <p:style>
+          <a:lnRef idx="2">
+            <a:schemeClr val="accent1">
+              <a:shade val="50000"/>
+            </a:schemeClr>
+          </a:lnRef>
+          <a:fillRef idx="1">
+            <a:schemeClr val="accent1"/>
+          </a:fillRef>
+          <a:effectRef idx="0">
+            <a:schemeClr val="accent1"/>
+          </a:effectRef>
+          <a:fontRef idx="minor">
+            <a:schemeClr val="lt1"/>
+          </a:fontRef>
+        </p:style>
+      </p:sp>
+      <p:sp>
+        <p:nvSpPr>
+          <p:cNvPr id="3" name="Picture Placeholder 2"/>
           <p:cNvSpPr>
-            <a:spLocks noGrp="1"/>
+            <a:spLocks noGrp="1" noChangeAspect="1"/>
           </p:cNvSpPr>
           <p:nvPr>
             <p:ph type="pic" idx="1"/>
@@ -5373,12 +5631,17 @@
         </p:nvSpPr>
         <p:spPr>
           <a:xfrm>
-            <a:off x="5183188" y="987425"/>
-            <a:ext cx="6172200" cy="4873625"/>
+            <a:off x="15" y="0"/>
+            <a:ext cx="12191985" cy="4578350"/>
           </a:xfrm>
+          <a:solidFill>
+            <a:schemeClr val="bg1">
+              <a:lumMod val="85000"/>
+            </a:schemeClr>
+          </a:solidFill>
         </p:spPr>
         <p:txBody>
-          <a:bodyPr/>
+          <a:bodyPr lIns="457200" tIns="457200" anchor="t"/>
           <a:lstStyle>
             <a:lvl1pPr marL="0" indent="0">
               <a:buNone/>
@@ -5418,19 +5681,55 @@
             </a:lvl9pPr>
           </a:lstStyle>
           <a:p>
-            <a:endParaRPr lang="en-US"/>
+            <a:r>
+              <a:rPr lang="en-US"/>
+              <a:t>Click icon to add picture</a:t>
+            </a:r>
+            <a:endParaRPr lang="en-US" dirty="0"/>
           </a:p>
         </p:txBody>
       </p:sp>
       <p:sp>
         <p:nvSpPr>
-          <p:cNvPr id="4" name="Text Placeholder 3">
-            <a:extLst>
-              <a:ext uri="{FF2B5EF4-FFF2-40B4-BE49-F238E27FC236}">
-                <a16:creationId xmlns:a16="http://schemas.microsoft.com/office/drawing/2014/main" id="{DB913BAA-AA69-589D-A2DE-3236A7ED7667}"/>
-              </a:ext>
-            </a:extLst>
-          </p:cNvPr>
+          <p:cNvPr id="2" name="Title 1"/>
+          <p:cNvSpPr>
+            <a:spLocks noGrp="1"/>
+          </p:cNvSpPr>
+          <p:nvPr>
+            <p:ph type="title"/>
+          </p:nvPr>
+        </p:nvSpPr>
+        <p:spPr>
+          <a:xfrm>
+            <a:off x="1097279" y="4799362"/>
+            <a:ext cx="10113645" cy="743682"/>
+          </a:xfrm>
+        </p:spPr>
+        <p:txBody>
+          <a:bodyPr tIns="0" bIns="0" anchor="b">
+            <a:noAutofit/>
+          </a:bodyPr>
+          <a:lstStyle>
+            <a:lvl1pPr>
+              <a:defRPr sz="3600" b="0">
+                <a:solidFill>
+                  <a:srgbClr val="FFFFFF"/>
+                </a:solidFill>
+              </a:defRPr>
+            </a:lvl1pPr>
+          </a:lstStyle>
+          <a:p>
+            <a:r>
+              <a:rPr lang="en-US"/>
+              <a:t>Click to edit Master title style</a:t>
+            </a:r>
+            <a:endParaRPr lang="en-US" dirty="0"/>
+          </a:p>
+        </p:txBody>
+      </p:sp>
+      <p:sp>
+        <p:nvSpPr>
+          <p:cNvPr id="4" name="Text Placeholder 3"/>
           <p:cNvSpPr>
             <a:spLocks noGrp="1"/>
           </p:cNvSpPr>
@@ -5440,48 +5739,60 @@
         </p:nvSpPr>
         <p:spPr>
           <a:xfrm>
-            <a:off x="839788" y="2057400"/>
-            <a:ext cx="3932237" cy="3811588"/>
+            <a:off x="1097279" y="5715000"/>
+            <a:ext cx="10113264" cy="609600"/>
           </a:xfrm>
         </p:spPr>
         <p:txBody>
-          <a:bodyPr/>
+          <a:bodyPr lIns="91440" tIns="0" rIns="91440" bIns="0">
+            <a:normAutofit/>
+          </a:bodyPr>
           <a:lstStyle>
             <a:lvl1pPr marL="0" indent="0">
+              <a:spcBef>
+                <a:spcPts val="0"/>
+              </a:spcBef>
+              <a:spcAft>
+                <a:spcPts val="600"/>
+              </a:spcAft>
               <a:buNone/>
-              <a:defRPr sz="1600"/>
+              <a:defRPr sz="1800">
+                <a:solidFill>
+                  <a:srgbClr val="FFFFFF"/>
+                </a:solidFill>
+              </a:defRPr>
             </a:lvl1pPr>
             <a:lvl2pPr marL="457200" indent="0">
               <a:buNone/>
-              <a:defRPr sz="1400"/>
+              <a:defRPr sz="1200"/>
             </a:lvl2pPr>
             <a:lvl3pPr marL="914400" indent="0">
               <a:buNone/>
-              <a:defRPr sz="1200"/>
+              <a:defRPr sz="1000"/>
             </a:lvl3pPr>
             <a:lvl4pPr marL="1371600" indent="0">
               <a:buNone/>
-              <a:defRPr sz="1000"/>
+              <a:defRPr sz="900"/>
             </a:lvl4pPr>
             <a:lvl5pPr marL="1828800" indent="0">
               <a:buNone/>
-              <a:defRPr sz="1000"/>
+              <a:defRPr sz="900"/>
             </a:lvl5pPr>
             <a:lvl6pPr marL="2286000" indent="0">
               <a:buNone/>
-              <a:defRPr sz="1000"/>
+              <a:defRPr sz="900"/>
             </a:lvl6pPr>
             <a:lvl7pPr marL="2743200" indent="0">
               <a:buNone/>
-              <a:defRPr sz="1000"/>
+              <a:defRPr sz="900"/>
             </a:lvl7pPr>
             <a:lvl8pPr marL="3200400" indent="0">
               <a:buNone/>
-              <a:defRPr sz="1000"/>
+              <a:defRPr sz="900"/>
             </a:lvl8pPr>
             <a:lvl9pPr marL="3657600" indent="0">
               <a:buNone/>
-              <a:defRPr sz="1000"/>
+              <a:defRPr sz="900"/>
             </a:lvl9pPr>
           </a:lstStyle>
           <a:p>
@@ -5495,13 +5806,7 @@
       </p:sp>
       <p:sp>
         <p:nvSpPr>
-          <p:cNvPr id="5" name="Date Placeholder 4">
-            <a:extLst>
-              <a:ext uri="{FF2B5EF4-FFF2-40B4-BE49-F238E27FC236}">
-                <a16:creationId xmlns:a16="http://schemas.microsoft.com/office/drawing/2014/main" id="{8D965EA8-A0B3-A598-1478-C8E7FEE1B0DC}"/>
-              </a:ext>
-            </a:extLst>
-          </p:cNvPr>
+          <p:cNvPr id="5" name="Date Placeholder 4"/>
           <p:cNvSpPr>
             <a:spLocks noGrp="1"/>
           </p:cNvSpPr>
@@ -5512,25 +5817,23 @@
         <p:spPr/>
         <p:txBody>
           <a:bodyPr/>
-          <a:lstStyle/>
-          <a:p>
-            <a:fld id="{AFE8374F-D609-D548-9B37-88388F64639D}" type="datetimeFigureOut">
+          <a:lstStyle>
+            <a:lvl1pPr>
+              <a:defRPr/>
+            </a:lvl1pPr>
+          </a:lstStyle>
+          <a:p>
+            <a:fld id="{4907D986-8816-4272-A432-0437A28A9828}" type="datetime1">
               <a:rPr lang="en-US" smtClean="0"/>
-              <a:t>8/13/24</a:t>
+              <a:t>8/26/24</a:t>
             </a:fld>
-            <a:endParaRPr lang="en-US"/>
+            <a:endParaRPr lang="en-US" dirty="0"/>
           </a:p>
         </p:txBody>
       </p:sp>
       <p:sp>
         <p:nvSpPr>
-          <p:cNvPr id="6" name="Footer Placeholder 5">
-            <a:extLst>
-              <a:ext uri="{FF2B5EF4-FFF2-40B4-BE49-F238E27FC236}">
-                <a16:creationId xmlns:a16="http://schemas.microsoft.com/office/drawing/2014/main" id="{0575B241-5B0D-A115-8A3D-CC7A90C34FA4}"/>
-              </a:ext>
-            </a:extLst>
-          </p:cNvPr>
+          <p:cNvPr id="6" name="Footer Placeholder 5"/>
           <p:cNvSpPr>
             <a:spLocks noGrp="1"/>
           </p:cNvSpPr>
@@ -5538,24 +5841,24 @@
             <p:ph type="ftr" sz="quarter" idx="11"/>
           </p:nvPr>
         </p:nvSpPr>
-        <p:spPr/>
+        <p:spPr>
+          <a:xfrm>
+            <a:off x="1097279" y="6446838"/>
+            <a:ext cx="6818262" cy="365125"/>
+          </a:xfrm>
+        </p:spPr>
         <p:txBody>
           <a:bodyPr/>
           <a:lstStyle/>
           <a:p>
-            <a:endParaRPr lang="en-US"/>
+            <a:pPr algn="l"/>
+            <a:endParaRPr lang="en-US" dirty="0"/>
           </a:p>
         </p:txBody>
       </p:sp>
       <p:sp>
         <p:nvSpPr>
-          <p:cNvPr id="7" name="Slide Number Placeholder 6">
-            <a:extLst>
-              <a:ext uri="{FF2B5EF4-FFF2-40B4-BE49-F238E27FC236}">
-                <a16:creationId xmlns:a16="http://schemas.microsoft.com/office/drawing/2014/main" id="{0A4FEA63-CADB-40A5-096F-C54B35C0108D}"/>
-              </a:ext>
-            </a:extLst>
-          </p:cNvPr>
+          <p:cNvPr id="7" name="Slide Number Placeholder 6"/>
           <p:cNvSpPr>
             <a:spLocks noGrp="1"/>
           </p:cNvSpPr>
@@ -5568,18 +5871,18 @@
           <a:bodyPr/>
           <a:lstStyle/>
           <a:p>
-            <a:fld id="{6F3AFFD1-C8B5-6B4A-BF4C-CBF1582BC32D}" type="slidenum">
+            <a:fld id="{3A98EE3D-8CD1-4C3F-BD1C-C98C9596463C}" type="slidenum">
               <a:rPr lang="en-US" smtClean="0"/>
               <a:t>‹#›</a:t>
             </a:fld>
-            <a:endParaRPr lang="en-US"/>
+            <a:endParaRPr lang="en-US" dirty="0"/>
           </a:p>
         </p:txBody>
       </p:sp>
     </p:spTree>
     <p:extLst>
       <p:ext uri="{BB962C8B-B14F-4D97-AF65-F5344CB8AC3E}">
-        <p14:creationId xmlns:p14="http://schemas.microsoft.com/office/powerpoint/2010/main" val="2465116415"/>
+        <p14:creationId xmlns:p14="http://schemas.microsoft.com/office/powerpoint/2010/main" val="2212182382"/>
       </p:ext>
     </p:extLst>
   </p:cSld>
@@ -5613,13 +5916,51 @@
       </p:grpSpPr>
       <p:sp>
         <p:nvSpPr>
-          <p:cNvPr id="2" name="Title Placeholder 1">
+          <p:cNvPr id="7" name="Rectangle 6">
             <a:extLst>
               <a:ext uri="{FF2B5EF4-FFF2-40B4-BE49-F238E27FC236}">
-                <a16:creationId xmlns:a16="http://schemas.microsoft.com/office/drawing/2014/main" id="{D210DC9E-1293-DD99-2F27-14F71D274B99}"/>
+                <a16:creationId xmlns:a16="http://schemas.microsoft.com/office/drawing/2014/main" id="{416A0E3C-60E6-4F39-BC55-5F7C224E1F7C}"/>
               </a:ext>
             </a:extLst>
           </p:cNvPr>
+          <p:cNvSpPr/>
+          <p:nvPr/>
+        </p:nvSpPr>
+        <p:spPr>
+          <a:xfrm>
+            <a:off x="3175" y="6400800"/>
+            <a:ext cx="12188825" cy="457200"/>
+          </a:xfrm>
+          <a:prstGeom prst="rect">
+            <a:avLst/>
+          </a:prstGeom>
+          <a:solidFill>
+            <a:srgbClr val="262626"/>
+          </a:solidFill>
+          <a:ln>
+            <a:noFill/>
+          </a:ln>
+        </p:spPr>
+        <p:style>
+          <a:lnRef idx="2">
+            <a:schemeClr val="accent1">
+              <a:shade val="50000"/>
+            </a:schemeClr>
+          </a:lnRef>
+          <a:fillRef idx="1">
+            <a:schemeClr val="accent1"/>
+          </a:fillRef>
+          <a:effectRef idx="0">
+            <a:schemeClr val="accent1"/>
+          </a:effectRef>
+          <a:fontRef idx="minor">
+            <a:schemeClr val="lt1"/>
+          </a:fontRef>
+        </p:style>
+      </p:sp>
+      <p:sp>
+        <p:nvSpPr>
+          <p:cNvPr id="2" name="Title Placeholder 1"/>
           <p:cNvSpPr>
             <a:spLocks noGrp="1"/>
           </p:cNvSpPr>
@@ -5629,15 +5970,15 @@
         </p:nvSpPr>
         <p:spPr>
           <a:xfrm>
-            <a:off x="838200" y="365125"/>
-            <a:ext cx="10515600" cy="1325563"/>
+            <a:off x="1097280" y="286603"/>
+            <a:ext cx="10058400" cy="1450757"/>
           </a:xfrm>
           <a:prstGeom prst="rect">
             <a:avLst/>
           </a:prstGeom>
         </p:spPr>
         <p:txBody>
-          <a:bodyPr vert="horz" lIns="91440" tIns="45720" rIns="91440" bIns="45720" rtlCol="0" anchor="ctr">
+          <a:bodyPr vert="horz" lIns="91440" tIns="45720" rIns="91440" bIns="45720" rtlCol="0" anchor="b">
             <a:normAutofit/>
           </a:bodyPr>
           <a:lstStyle/>
@@ -5646,18 +5987,13 @@
               <a:rPr lang="en-US"/>
               <a:t>Click to edit Master title style</a:t>
             </a:r>
+            <a:endParaRPr lang="en-US" dirty="0"/>
           </a:p>
         </p:txBody>
       </p:sp>
       <p:sp>
         <p:nvSpPr>
-          <p:cNvPr id="3" name="Text Placeholder 2">
-            <a:extLst>
-              <a:ext uri="{FF2B5EF4-FFF2-40B4-BE49-F238E27FC236}">
-                <a16:creationId xmlns:a16="http://schemas.microsoft.com/office/drawing/2014/main" id="{C590381D-5370-BDBD-E369-18874F7519ED}"/>
-              </a:ext>
-            </a:extLst>
-          </p:cNvPr>
+          <p:cNvPr id="3" name="Text Placeholder 2"/>
           <p:cNvSpPr>
             <a:spLocks noGrp="1"/>
           </p:cNvSpPr>
@@ -5667,15 +6003,15 @@
         </p:nvSpPr>
         <p:spPr>
           <a:xfrm>
-            <a:off x="838200" y="1825625"/>
-            <a:ext cx="10515600" cy="4351338"/>
+            <a:off x="1097280" y="2108201"/>
+            <a:ext cx="10058400" cy="3760891"/>
           </a:xfrm>
           <a:prstGeom prst="rect">
             <a:avLst/>
           </a:prstGeom>
         </p:spPr>
         <p:txBody>
-          <a:bodyPr vert="horz" lIns="91440" tIns="45720" rIns="91440" bIns="45720" rtlCol="0">
+          <a:bodyPr vert="horz" lIns="0" tIns="45720" rIns="0" bIns="45720" rtlCol="0">
             <a:normAutofit/>
           </a:bodyPr>
           <a:lstStyle/>
@@ -5713,18 +6049,13 @@
               <a:rPr lang="en-US"/>
               <a:t>Fifth level</a:t>
             </a:r>
+            <a:endParaRPr lang="en-US" dirty="0"/>
           </a:p>
         </p:txBody>
       </p:sp>
       <p:sp>
         <p:nvSpPr>
-          <p:cNvPr id="4" name="Date Placeholder 3">
-            <a:extLst>
-              <a:ext uri="{FF2B5EF4-FFF2-40B4-BE49-F238E27FC236}">
-                <a16:creationId xmlns:a16="http://schemas.microsoft.com/office/drawing/2014/main" id="{7C706934-8E1D-ADD8-A4A8-04289CE36ABB}"/>
-              </a:ext>
-            </a:extLst>
-          </p:cNvPr>
+          <p:cNvPr id="4" name="Date Placeholder 3"/>
           <p:cNvSpPr>
             <a:spLocks noGrp="1"/>
           </p:cNvSpPr>
@@ -5734,8 +6065,47 @@
         </p:nvSpPr>
         <p:spPr>
           <a:xfrm>
-            <a:off x="838200" y="6356350"/>
-            <a:ext cx="2743200" cy="365125"/>
+            <a:off x="8218426" y="6446838"/>
+            <a:ext cx="2584850" cy="365125"/>
+          </a:xfrm>
+          <a:prstGeom prst="rect">
+            <a:avLst/>
+          </a:prstGeom>
+        </p:spPr>
+        <p:txBody>
+          <a:bodyPr vert="horz" lIns="91440" tIns="45720" rIns="91440" bIns="45720" rtlCol="0" anchor="ctr"/>
+          <a:lstStyle>
+            <a:lvl1pPr algn="r">
+              <a:defRPr sz="800">
+                <a:solidFill>
+                  <a:srgbClr val="FFFFFF"/>
+                </a:solidFill>
+              </a:defRPr>
+            </a:lvl1pPr>
+          </a:lstStyle>
+          <a:p>
+            <a:fld id="{62D6E202-B606-4609-B914-27C9371A1F6D}" type="datetime1">
+              <a:rPr lang="en-US" smtClean="0"/>
+              <a:t>8/26/24</a:t>
+            </a:fld>
+            <a:endParaRPr lang="en-US" dirty="0"/>
+          </a:p>
+        </p:txBody>
+      </p:sp>
+      <p:sp>
+        <p:nvSpPr>
+          <p:cNvPr id="5" name="Footer Placeholder 4"/>
+          <p:cNvSpPr>
+            <a:spLocks noGrp="1"/>
+          </p:cNvSpPr>
+          <p:nvPr>
+            <p:ph type="ftr" sz="quarter" idx="3"/>
+          </p:nvPr>
+        </p:nvSpPr>
+        <p:spPr>
+          <a:xfrm>
+            <a:off x="1097279" y="6446838"/>
+            <a:ext cx="6818262" cy="365125"/>
           </a:xfrm>
           <a:prstGeom prst="rect">
             <a:avLst/>
@@ -5745,44 +6115,32 @@
           <a:bodyPr vert="horz" lIns="91440" tIns="45720" rIns="91440" bIns="45720" rtlCol="0" anchor="ctr"/>
           <a:lstStyle>
             <a:lvl1pPr algn="l">
-              <a:defRPr sz="1200">
+              <a:defRPr sz="800" cap="all" baseline="0">
                 <a:solidFill>
-                  <a:schemeClr val="tx1">
-                    <a:tint val="82000"/>
-                  </a:schemeClr>
+                  <a:srgbClr val="FFFFFF"/>
                 </a:solidFill>
               </a:defRPr>
             </a:lvl1pPr>
           </a:lstStyle>
           <a:p>
-            <a:fld id="{AFE8374F-D609-D548-9B37-88388F64639D}" type="datetimeFigureOut">
-              <a:rPr lang="en-US" smtClean="0"/>
-              <a:t>8/13/24</a:t>
-            </a:fld>
-            <a:endParaRPr lang="en-US"/>
+            <a:endParaRPr lang="en-US" dirty="0"/>
           </a:p>
         </p:txBody>
       </p:sp>
       <p:sp>
         <p:nvSpPr>
-          <p:cNvPr id="5" name="Footer Placeholder 4">
-            <a:extLst>
-              <a:ext uri="{FF2B5EF4-FFF2-40B4-BE49-F238E27FC236}">
-                <a16:creationId xmlns:a16="http://schemas.microsoft.com/office/drawing/2014/main" id="{D1EE4101-6E11-1ABE-EE0F-0812FC4201FC}"/>
-              </a:ext>
-            </a:extLst>
-          </p:cNvPr>
+          <p:cNvPr id="6" name="Slide Number Placeholder 5"/>
           <p:cNvSpPr>
             <a:spLocks noGrp="1"/>
           </p:cNvSpPr>
           <p:nvPr>
-            <p:ph type="ftr" sz="quarter" idx="3"/>
+            <p:ph type="sldNum" sz="quarter" idx="4"/>
           </p:nvPr>
         </p:nvSpPr>
         <p:spPr>
           <a:xfrm>
-            <a:off x="4038600" y="6356350"/>
-            <a:ext cx="4114800" cy="365125"/>
+            <a:off x="10993582" y="6446838"/>
+            <a:ext cx="780010" cy="365125"/>
           </a:xfrm>
           <a:prstGeom prst="rect">
             <a:avLst/>
@@ -5791,89 +6149,89 @@
         <p:txBody>
           <a:bodyPr vert="horz" lIns="91440" tIns="45720" rIns="91440" bIns="45720" rtlCol="0" anchor="ctr"/>
           <a:lstStyle>
-            <a:lvl1pPr algn="ctr">
-              <a:defRPr sz="1200">
+            <a:lvl1pPr algn="l">
+              <a:defRPr sz="800">
                 <a:solidFill>
-                  <a:schemeClr val="tx1">
-                    <a:tint val="82000"/>
-                  </a:schemeClr>
+                  <a:srgbClr val="FFFFFF"/>
                 </a:solidFill>
               </a:defRPr>
             </a:lvl1pPr>
           </a:lstStyle>
           <a:p>
-            <a:endParaRPr lang="en-US"/>
+            <a:fld id="{3A98EE3D-8CD1-4C3F-BD1C-C98C9596463C}" type="slidenum">
+              <a:rPr lang="en-US" smtClean="0"/>
+              <a:t>‹#›</a:t>
+            </a:fld>
+            <a:endParaRPr lang="en-US" dirty="0"/>
           </a:p>
         </p:txBody>
       </p:sp>
-      <p:sp>
-        <p:nvSpPr>
-          <p:cNvPr id="6" name="Slide Number Placeholder 5">
+      <p:cxnSp>
+        <p:nvCxnSpPr>
+          <p:cNvPr id="10" name="Straight Connector 9">
             <a:extLst>
               <a:ext uri="{FF2B5EF4-FFF2-40B4-BE49-F238E27FC236}">
-                <a16:creationId xmlns:a16="http://schemas.microsoft.com/office/drawing/2014/main" id="{5D92B8BE-280D-C52D-1E93-ACE2532A8BFD}"/>
+                <a16:creationId xmlns:a16="http://schemas.microsoft.com/office/drawing/2014/main" id="{C5025DAC-8B93-4160-B017-3A274A5828C0}"/>
               </a:ext>
             </a:extLst>
           </p:cNvPr>
-          <p:cNvSpPr>
-            <a:spLocks noGrp="1"/>
-          </p:cNvSpPr>
-          <p:nvPr>
-            <p:ph type="sldNum" sz="quarter" idx="4"/>
-          </p:nvPr>
-        </p:nvSpPr>
+          <p:cNvCxnSpPr/>
+          <p:nvPr/>
+        </p:nvCxnSpPr>
         <p:spPr>
           <a:xfrm>
-            <a:off x="8610600" y="6356350"/>
-            <a:ext cx="2743200" cy="365125"/>
+            <a:off x="1193532" y="1897380"/>
+            <a:ext cx="9966960" cy="0"/>
           </a:xfrm>
-          <a:prstGeom prst="rect">
+          <a:prstGeom prst="line">
             <a:avLst/>
           </a:prstGeom>
+          <a:ln w="12700">
+            <a:solidFill>
+              <a:schemeClr val="tx1">
+                <a:lumMod val="75000"/>
+                <a:lumOff val="25000"/>
+              </a:schemeClr>
+            </a:solidFill>
+          </a:ln>
         </p:spPr>
-        <p:txBody>
-          <a:bodyPr vert="horz" lIns="91440" tIns="45720" rIns="91440" bIns="45720" rtlCol="0" anchor="ctr"/>
-          <a:lstStyle>
-            <a:lvl1pPr algn="r">
-              <a:defRPr sz="1200">
-                <a:solidFill>
-                  <a:schemeClr val="tx1">
-                    <a:tint val="82000"/>
-                  </a:schemeClr>
-                </a:solidFill>
-              </a:defRPr>
-            </a:lvl1pPr>
-          </a:lstStyle>
-          <a:p>
-            <a:fld id="{6F3AFFD1-C8B5-6B4A-BF4C-CBF1582BC32D}" type="slidenum">
-              <a:rPr lang="en-US" smtClean="0"/>
-              <a:t>‹#›</a:t>
-            </a:fld>
-            <a:endParaRPr lang="en-US"/>
-          </a:p>
-        </p:txBody>
-      </p:sp>
+        <p:style>
+          <a:lnRef idx="1">
+            <a:schemeClr val="accent1"/>
+          </a:lnRef>
+          <a:fillRef idx="0">
+            <a:schemeClr val="accent1"/>
+          </a:fillRef>
+          <a:effectRef idx="0">
+            <a:schemeClr val="accent1"/>
+          </a:effectRef>
+          <a:fontRef idx="minor">
+            <a:schemeClr val="tx1"/>
+          </a:fontRef>
+        </p:style>
+      </p:cxnSp>
     </p:spTree>
     <p:extLst>
       <p:ext uri="{BB962C8B-B14F-4D97-AF65-F5344CB8AC3E}">
-        <p14:creationId xmlns:p14="http://schemas.microsoft.com/office/powerpoint/2010/main" val="1815369967"/>
+        <p14:creationId xmlns:p14="http://schemas.microsoft.com/office/powerpoint/2010/main" val="3484800682"/>
       </p:ext>
     </p:extLst>
   </p:cSld>
   <p:clrMap bg1="lt1" tx1="dk1" bg2="lt2" tx2="dk2" accent1="accent1" accent2="accent2" accent3="accent3" accent4="accent4" accent5="accent5" accent6="accent6" hlink="hlink" folHlink="folHlink"/>
   <p:sldLayoutIdLst>
-    <p:sldLayoutId id="2147483649" r:id="rId1"/>
-    <p:sldLayoutId id="2147483650" r:id="rId2"/>
-    <p:sldLayoutId id="2147483651" r:id="rId3"/>
-    <p:sldLayoutId id="2147483652" r:id="rId4"/>
-    <p:sldLayoutId id="2147483653" r:id="rId5"/>
-    <p:sldLayoutId id="2147483654" r:id="rId6"/>
-    <p:sldLayoutId id="2147483655" r:id="rId7"/>
-    <p:sldLayoutId id="2147483656" r:id="rId8"/>
-    <p:sldLayoutId id="2147483657" r:id="rId9"/>
-    <p:sldLayoutId id="2147483658" r:id="rId10"/>
-    <p:sldLayoutId id="2147483659" r:id="rId11"/>
+    <p:sldLayoutId id="2147483661" r:id="rId1"/>
+    <p:sldLayoutId id="2147483662" r:id="rId2"/>
+    <p:sldLayoutId id="2147483663" r:id="rId3"/>
+    <p:sldLayoutId id="2147483664" r:id="rId4"/>
+    <p:sldLayoutId id="2147483665" r:id="rId5"/>
+    <p:sldLayoutId id="2147483666" r:id="rId6"/>
+    <p:sldLayoutId id="2147483667" r:id="rId7"/>
+    <p:sldLayoutId id="2147483668" r:id="rId8"/>
+    <p:sldLayoutId id="2147483669" r:id="rId9"/>
+    <p:sldLayoutId id="2147483670" r:id="rId10"/>
+    <p:sldLayoutId id="2147483671" r:id="rId11"/>
   </p:sldLayoutIdLst>
+  <p:hf sldNum="0" hdr="0" ftr="0" dt="0"/>
   <p:txStyles>
     <p:titleStyle>
       <a:lvl1pPr algn="l" defTabSz="914400" rtl="0" eaLnBrk="1" latinLnBrk="0" hangingPunct="1">
@@ -5884,9 +6242,12 @@
           <a:spcPct val="0"/>
         </a:spcBef>
         <a:buNone/>
-        <a:defRPr sz="4400" kern="1200">
+        <a:defRPr sz="4700" i="0" kern="1200" spc="-50" baseline="0">
           <a:solidFill>
-            <a:schemeClr val="tx1"/>
+            <a:schemeClr val="tx1">
+              <a:lumMod val="75000"/>
+              <a:lumOff val="25000"/>
+            </a:schemeClr>
           </a:solidFill>
           <a:latin typeface="+mj-lt"/>
           <a:ea typeface="+mj-ea"/>
@@ -5895,162 +6256,236 @@
       </a:lvl1pPr>
     </p:titleStyle>
     <p:bodyStyle>
-      <a:lvl1pPr marL="228600" indent="-228600" algn="l" defTabSz="914400" rtl="0" eaLnBrk="1" latinLnBrk="0" hangingPunct="1">
+      <a:lvl1pPr marL="91440" indent="-91440" algn="l" defTabSz="914400" rtl="0" eaLnBrk="1" latinLnBrk="0" hangingPunct="1">
         <a:lnSpc>
-          <a:spcPct val="90000"/>
+          <a:spcPct val="110000"/>
         </a:lnSpc>
         <a:spcBef>
-          <a:spcPts val="1000"/>
+          <a:spcPts val="1200"/>
         </a:spcBef>
-        <a:buFont typeface="Arial" panose="020B0604020202020204" pitchFamily="34" charset="0"/>
-        <a:buChar char="•"/>
-        <a:defRPr sz="2800" kern="1200">
+        <a:spcAft>
+          <a:spcPts val="200"/>
+        </a:spcAft>
+        <a:buClr>
+          <a:schemeClr val="accent1"/>
+        </a:buClr>
+        <a:buSzPct val="100000"/>
+        <a:buFont typeface="Calibri" panose="020F0502020204030204" pitchFamily="34" charset="0"/>
+        <a:buChar char=" "/>
+        <a:defRPr sz="2000" kern="1200">
           <a:solidFill>
-            <a:schemeClr val="tx1"/>
+            <a:schemeClr val="tx1">
+              <a:lumMod val="75000"/>
+              <a:lumOff val="25000"/>
+            </a:schemeClr>
           </a:solidFill>
           <a:latin typeface="+mn-lt"/>
           <a:ea typeface="+mn-ea"/>
           <a:cs typeface="+mn-cs"/>
         </a:defRPr>
       </a:lvl1pPr>
-      <a:lvl2pPr marL="685800" indent="-228600" algn="l" defTabSz="914400" rtl="0" eaLnBrk="1" latinLnBrk="0" hangingPunct="1">
+      <a:lvl2pPr marL="384048" indent="-182880" algn="l" defTabSz="914400" rtl="0" eaLnBrk="1" latinLnBrk="0" hangingPunct="1">
         <a:lnSpc>
-          <a:spcPct val="90000"/>
+          <a:spcPct val="110000"/>
         </a:lnSpc>
         <a:spcBef>
-          <a:spcPts val="500"/>
+          <a:spcPts val="200"/>
         </a:spcBef>
-        <a:buFont typeface="Arial" panose="020B0604020202020204" pitchFamily="34" charset="0"/>
-        <a:buChar char="•"/>
-        <a:defRPr sz="2400" kern="1200">
+        <a:spcAft>
+          <a:spcPts val="400"/>
+        </a:spcAft>
+        <a:buClrTx/>
+        <a:buFont typeface="Calibri" pitchFamily="34" charset="0"/>
+        <a:buChar char="◦"/>
+        <a:defRPr sz="1800" kern="1200">
           <a:solidFill>
-            <a:schemeClr val="tx1"/>
+            <a:schemeClr val="tx1">
+              <a:lumMod val="75000"/>
+              <a:lumOff val="25000"/>
+            </a:schemeClr>
           </a:solidFill>
           <a:latin typeface="+mn-lt"/>
           <a:ea typeface="+mn-ea"/>
           <a:cs typeface="+mn-cs"/>
         </a:defRPr>
       </a:lvl2pPr>
-      <a:lvl3pPr marL="1143000" indent="-228600" algn="l" defTabSz="914400" rtl="0" eaLnBrk="1" latinLnBrk="0" hangingPunct="1">
+      <a:lvl3pPr marL="566928" indent="-182880" algn="l" defTabSz="914400" rtl="0" eaLnBrk="1" latinLnBrk="0" hangingPunct="1">
         <a:lnSpc>
-          <a:spcPct val="90000"/>
+          <a:spcPct val="110000"/>
         </a:lnSpc>
         <a:spcBef>
-          <a:spcPts val="500"/>
+          <a:spcPts val="200"/>
         </a:spcBef>
-        <a:buFont typeface="Arial" panose="020B0604020202020204" pitchFamily="34" charset="0"/>
-        <a:buChar char="•"/>
-        <a:defRPr sz="2000" kern="1200">
+        <a:spcAft>
+          <a:spcPts val="400"/>
+        </a:spcAft>
+        <a:buClrTx/>
+        <a:buFont typeface="Calibri" pitchFamily="34" charset="0"/>
+        <a:buChar char="◦"/>
+        <a:defRPr sz="1400" kern="1200">
           <a:solidFill>
-            <a:schemeClr val="tx1"/>
+            <a:schemeClr val="tx1">
+              <a:lumMod val="75000"/>
+              <a:lumOff val="25000"/>
+            </a:schemeClr>
           </a:solidFill>
           <a:latin typeface="+mn-lt"/>
           <a:ea typeface="+mn-ea"/>
           <a:cs typeface="+mn-cs"/>
         </a:defRPr>
       </a:lvl3pPr>
-      <a:lvl4pPr marL="1600200" indent="-228600" algn="l" defTabSz="914400" rtl="0" eaLnBrk="1" latinLnBrk="0" hangingPunct="1">
+      <a:lvl4pPr marL="749808" indent="-182880" algn="l" defTabSz="914400" rtl="0" eaLnBrk="1" latinLnBrk="0" hangingPunct="1">
         <a:lnSpc>
-          <a:spcPct val="90000"/>
+          <a:spcPct val="110000"/>
         </a:lnSpc>
         <a:spcBef>
-          <a:spcPts val="500"/>
+          <a:spcPts val="200"/>
         </a:spcBef>
-        <a:buFont typeface="Arial" panose="020B0604020202020204" pitchFamily="34" charset="0"/>
-        <a:buChar char="•"/>
-        <a:defRPr sz="1800" kern="1200">
+        <a:spcAft>
+          <a:spcPts val="400"/>
+        </a:spcAft>
+        <a:buClrTx/>
+        <a:buFont typeface="Calibri" pitchFamily="34" charset="0"/>
+        <a:buChar char="◦"/>
+        <a:defRPr sz="1400" kern="1200">
           <a:solidFill>
-            <a:schemeClr val="tx1"/>
+            <a:schemeClr val="tx1">
+              <a:lumMod val="75000"/>
+              <a:lumOff val="25000"/>
+            </a:schemeClr>
           </a:solidFill>
           <a:latin typeface="+mn-lt"/>
           <a:ea typeface="+mn-ea"/>
           <a:cs typeface="+mn-cs"/>
         </a:defRPr>
       </a:lvl4pPr>
-      <a:lvl5pPr marL="2057400" indent="-228600" algn="l" defTabSz="914400" rtl="0" eaLnBrk="1" latinLnBrk="0" hangingPunct="1">
+      <a:lvl5pPr marL="932688" indent="-182880" algn="l" defTabSz="914400" rtl="0" eaLnBrk="1" latinLnBrk="0" hangingPunct="1">
         <a:lnSpc>
-          <a:spcPct val="90000"/>
+          <a:spcPct val="110000"/>
         </a:lnSpc>
         <a:spcBef>
-          <a:spcPts val="500"/>
+          <a:spcPts val="200"/>
         </a:spcBef>
-        <a:buFont typeface="Arial" panose="020B0604020202020204" pitchFamily="34" charset="0"/>
-        <a:buChar char="•"/>
-        <a:defRPr sz="1800" kern="1200">
+        <a:spcAft>
+          <a:spcPts val="400"/>
+        </a:spcAft>
+        <a:buClrTx/>
+        <a:buFont typeface="Calibri" pitchFamily="34" charset="0"/>
+        <a:buChar char="◦"/>
+        <a:defRPr sz="1400" kern="1200">
           <a:solidFill>
-            <a:schemeClr val="tx1"/>
+            <a:schemeClr val="tx1">
+              <a:lumMod val="75000"/>
+              <a:lumOff val="25000"/>
+            </a:schemeClr>
           </a:solidFill>
           <a:latin typeface="+mn-lt"/>
           <a:ea typeface="+mn-ea"/>
           <a:cs typeface="+mn-cs"/>
         </a:defRPr>
       </a:lvl5pPr>
-      <a:lvl6pPr marL="2514600" indent="-228600" algn="l" defTabSz="914400" rtl="0" eaLnBrk="1" latinLnBrk="0" hangingPunct="1">
+      <a:lvl6pPr marL="1100000" indent="-228600" algn="l" defTabSz="914400" rtl="0" eaLnBrk="1" latinLnBrk="0" hangingPunct="1">
         <a:lnSpc>
           <a:spcPct val="90000"/>
         </a:lnSpc>
         <a:spcBef>
-          <a:spcPts val="500"/>
+          <a:spcPts val="200"/>
         </a:spcBef>
-        <a:buFont typeface="Arial" panose="020B0604020202020204" pitchFamily="34" charset="0"/>
-        <a:buChar char="•"/>
-        <a:defRPr sz="1800" kern="1200">
+        <a:spcAft>
+          <a:spcPts val="400"/>
+        </a:spcAft>
+        <a:buClr>
+          <a:schemeClr val="accent1"/>
+        </a:buClr>
+        <a:buFont typeface="Calibri" pitchFamily="34" charset="0"/>
+        <a:buChar char="◦"/>
+        <a:defRPr sz="1400" kern="1200">
           <a:solidFill>
-            <a:schemeClr val="tx1"/>
+            <a:schemeClr val="tx1">
+              <a:lumMod val="75000"/>
+              <a:lumOff val="25000"/>
+            </a:schemeClr>
           </a:solidFill>
           <a:latin typeface="+mn-lt"/>
           <a:ea typeface="+mn-ea"/>
           <a:cs typeface="+mn-cs"/>
         </a:defRPr>
       </a:lvl6pPr>
-      <a:lvl7pPr marL="2971800" indent="-228600" algn="l" defTabSz="914400" rtl="0" eaLnBrk="1" latinLnBrk="0" hangingPunct="1">
+      <a:lvl7pPr marL="1300000" indent="-228600" algn="l" defTabSz="914400" rtl="0" eaLnBrk="1" latinLnBrk="0" hangingPunct="1">
         <a:lnSpc>
           <a:spcPct val="90000"/>
         </a:lnSpc>
         <a:spcBef>
-          <a:spcPts val="500"/>
+          <a:spcPts val="200"/>
         </a:spcBef>
-        <a:buFont typeface="Arial" panose="020B0604020202020204" pitchFamily="34" charset="0"/>
-        <a:buChar char="•"/>
-        <a:defRPr sz="1800" kern="1200">
+        <a:spcAft>
+          <a:spcPts val="400"/>
+        </a:spcAft>
+        <a:buClr>
+          <a:schemeClr val="accent1"/>
+        </a:buClr>
+        <a:buFont typeface="Calibri" pitchFamily="34" charset="0"/>
+        <a:buChar char="◦"/>
+        <a:defRPr sz="1400" kern="1200">
           <a:solidFill>
-            <a:schemeClr val="tx1"/>
+            <a:schemeClr val="tx1">
+              <a:lumMod val="75000"/>
+              <a:lumOff val="25000"/>
+            </a:schemeClr>
           </a:solidFill>
           <a:latin typeface="+mn-lt"/>
           <a:ea typeface="+mn-ea"/>
           <a:cs typeface="+mn-cs"/>
         </a:defRPr>
       </a:lvl7pPr>
-      <a:lvl8pPr marL="3429000" indent="-228600" algn="l" defTabSz="914400" rtl="0" eaLnBrk="1" latinLnBrk="0" hangingPunct="1">
+      <a:lvl8pPr marL="1500000" indent="-228600" algn="l" defTabSz="914400" rtl="0" eaLnBrk="1" latinLnBrk="0" hangingPunct="1">
         <a:lnSpc>
           <a:spcPct val="90000"/>
         </a:lnSpc>
         <a:spcBef>
-          <a:spcPts val="500"/>
+          <a:spcPts val="200"/>
         </a:spcBef>
-        <a:buFont typeface="Arial" panose="020B0604020202020204" pitchFamily="34" charset="0"/>
-        <a:buChar char="•"/>
-        <a:defRPr sz="1800" kern="1200">
+        <a:spcAft>
+          <a:spcPts val="400"/>
+        </a:spcAft>
+        <a:buClr>
+          <a:schemeClr val="accent1"/>
+        </a:buClr>
+        <a:buFont typeface="Calibri" pitchFamily="34" charset="0"/>
+        <a:buChar char="◦"/>
+        <a:defRPr sz="1400" kern="1200">
           <a:solidFill>
-            <a:schemeClr val="tx1"/>
+            <a:schemeClr val="tx1">
+              <a:lumMod val="75000"/>
+              <a:lumOff val="25000"/>
+            </a:schemeClr>
           </a:solidFill>
           <a:latin typeface="+mn-lt"/>
           <a:ea typeface="+mn-ea"/>
           <a:cs typeface="+mn-cs"/>
         </a:defRPr>
       </a:lvl8pPr>
-      <a:lvl9pPr marL="3886200" indent="-228600" algn="l" defTabSz="914400" rtl="0" eaLnBrk="1" latinLnBrk="0" hangingPunct="1">
+      <a:lvl9pPr marL="1700000" indent="-228600" algn="l" defTabSz="914400" rtl="0" eaLnBrk="1" latinLnBrk="0" hangingPunct="1">
         <a:lnSpc>
           <a:spcPct val="90000"/>
         </a:lnSpc>
         <a:spcBef>
-          <a:spcPts val="500"/>
+          <a:spcPts val="200"/>
         </a:spcBef>
-        <a:buFont typeface="Arial" panose="020B0604020202020204" pitchFamily="34" charset="0"/>
-        <a:buChar char="•"/>
-        <a:defRPr sz="1800" kern="1200">
+        <a:spcAft>
+          <a:spcPts val="400"/>
+        </a:spcAft>
+        <a:buClr>
+          <a:schemeClr val="accent1"/>
+        </a:buClr>
+        <a:buFont typeface="Calibri" pitchFamily="34" charset="0"/>
+        <a:buChar char="◦"/>
+        <a:defRPr sz="1400" kern="1200">
           <a:solidFill>
-            <a:schemeClr val="tx1"/>
+            <a:schemeClr val="tx1">
+              <a:lumMod val="75000"/>
+              <a:lumOff val="25000"/>
+            </a:schemeClr>
           </a:solidFill>
           <a:latin typeface="+mn-lt"/>
           <a:ea typeface="+mn-ea"/>
@@ -6218,13 +6653,7 @@
             </a:extLst>
           </p:cNvPr>
           <p:cNvGraphicFramePr/>
-          <p:nvPr>
-            <p:extLst>
-              <p:ext uri="{D42A27DB-BD31-4B8C-83A1-F6EECF244321}">
-                <p14:modId xmlns:p14="http://schemas.microsoft.com/office/powerpoint/2010/main" val="3476641861"/>
-              </p:ext>
-            </p:extLst>
-          </p:nvPr>
+          <p:nvPr/>
         </p:nvGraphicFramePr>
         <p:xfrm>
           <a:off x="1921566" y="1311966"/>
@@ -6250,11 +6679,14 @@
         </p:nvSpPr>
         <p:spPr>
           <a:xfrm>
-            <a:off x="1423660" y="4519447"/>
-            <a:ext cx="2097305" cy="1603057"/>
+            <a:off x="1847551" y="4523555"/>
+            <a:ext cx="1673414" cy="1598949"/>
           </a:xfrm>
           <a:prstGeom prst="leftBrace">
-            <a:avLst/>
+            <a:avLst>
+              <a:gd name="adj1" fmla="val 8333"/>
+              <a:gd name="adj2" fmla="val 48867"/>
+            </a:avLst>
           </a:prstGeom>
           <a:ln>
             <a:solidFill>
@@ -6280,8 +6712,37 @@
           <a:bodyPr rtlCol="0" anchor="ctr"/>
           <a:lstStyle/>
           <a:p>
-            <a:pPr algn="ctr"/>
-            <a:endParaRPr lang="en-US"/>
+            <a:pPr marL="0" marR="0" lvl="0" indent="0" algn="ctr" defTabSz="914400" rtl="0" eaLnBrk="1" fontAlgn="auto" latinLnBrk="0" hangingPunct="1">
+              <a:lnSpc>
+                <a:spcPct val="100000"/>
+              </a:lnSpc>
+              <a:spcBef>
+                <a:spcPts val="0"/>
+              </a:spcBef>
+              <a:spcAft>
+                <a:spcPts val="0"/>
+              </a:spcAft>
+              <a:buClrTx/>
+              <a:buSzTx/>
+              <a:buFontTx/>
+              <a:buNone/>
+              <a:tabLst/>
+              <a:defRPr/>
+            </a:pPr>
+            <a:endParaRPr kumimoji="0" lang="en-US" sz="1800" b="0" i="0" u="none" strike="noStrike" kern="1200" cap="none" spc="0" normalizeH="0" baseline="0" noProof="0">
+              <a:ln>
+                <a:noFill/>
+              </a:ln>
+              <a:solidFill>
+                <a:srgbClr val="000000"/>
+              </a:solidFill>
+              <a:effectLst/>
+              <a:uLnTx/>
+              <a:uFillTx/>
+              <a:latin typeface="Avenir Next LT Pro" panose="020F0502020204030204"/>
+              <a:ea typeface="+mn-ea"/>
+              <a:cs typeface="+mn-cs"/>
+            </a:endParaRPr>
           </a:p>
         </p:txBody>
       </p:sp>
@@ -6299,7 +6760,7 @@
         </p:nvSpPr>
         <p:spPr>
           <a:xfrm>
-            <a:off x="0" y="5115290"/>
+            <a:off x="259559" y="5138363"/>
             <a:ext cx="1532727" cy="369332"/>
           </a:xfrm>
           <a:prstGeom prst="rect">
@@ -6313,8 +6774,38 @@
           </a:bodyPr>
           <a:lstStyle/>
           <a:p>
+            <a:pPr marL="0" marR="0" lvl="0" indent="0" algn="l" defTabSz="914400" rtl="0" eaLnBrk="1" fontAlgn="auto" latinLnBrk="0" hangingPunct="1">
+              <a:lnSpc>
+                <a:spcPct val="100000"/>
+              </a:lnSpc>
+              <a:spcBef>
+                <a:spcPts val="0"/>
+              </a:spcBef>
+              <a:spcAft>
+                <a:spcPts val="0"/>
+              </a:spcAft>
+              <a:buClrTx/>
+              <a:buSzTx/>
+              <a:buFontTx/>
+              <a:buNone/>
+              <a:tabLst/>
+              <a:defRPr/>
+            </a:pPr>
             <a:r>
-              <a:rPr lang="en-US" dirty="0"/>
+              <a:rPr kumimoji="0" lang="en-US" sz="1800" b="0" i="0" u="none" strike="noStrike" kern="1200" cap="none" spc="0" normalizeH="0" baseline="0" noProof="0" dirty="0">
+                <a:ln>
+                  <a:noFill/>
+                </a:ln>
+                <a:solidFill>
+                  <a:srgbClr val="000000"/>
+                </a:solidFill>
+                <a:effectLst/>
+                <a:uLnTx/>
+                <a:uFillTx/>
+                <a:latin typeface="Avenir Next LT Pro" panose="020F0502020204030204"/>
+                <a:ea typeface="+mn-ea"/>
+                <a:cs typeface="+mn-cs"/>
+              </a:rPr>
               <a:t>Assignment 1</a:t>
             </a:r>
           </a:p>
@@ -6367,8 +6858,37 @@
           <a:bodyPr rtlCol="0" anchor="ctr"/>
           <a:lstStyle/>
           <a:p>
-            <a:pPr algn="ctr"/>
-            <a:endParaRPr lang="en-US"/>
+            <a:pPr marL="0" marR="0" lvl="0" indent="0" algn="ctr" defTabSz="914400" rtl="0" eaLnBrk="1" fontAlgn="auto" latinLnBrk="0" hangingPunct="1">
+              <a:lnSpc>
+                <a:spcPct val="100000"/>
+              </a:lnSpc>
+              <a:spcBef>
+                <a:spcPts val="0"/>
+              </a:spcBef>
+              <a:spcAft>
+                <a:spcPts val="0"/>
+              </a:spcAft>
+              <a:buClrTx/>
+              <a:buSzTx/>
+              <a:buFontTx/>
+              <a:buNone/>
+              <a:tabLst/>
+              <a:defRPr/>
+            </a:pPr>
+            <a:endParaRPr kumimoji="0" lang="en-US" sz="1800" b="0" i="0" u="none" strike="noStrike" kern="1200" cap="none" spc="0" normalizeH="0" baseline="0" noProof="0">
+              <a:ln>
+                <a:noFill/>
+              </a:ln>
+              <a:solidFill>
+                <a:srgbClr val="000000"/>
+              </a:solidFill>
+              <a:effectLst/>
+              <a:uLnTx/>
+              <a:uFillTx/>
+              <a:latin typeface="Avenir Next LT Pro" panose="020F0502020204030204"/>
+              <a:ea typeface="+mn-ea"/>
+              <a:cs typeface="+mn-cs"/>
+            </a:endParaRPr>
           </a:p>
         </p:txBody>
       </p:sp>
@@ -6386,7 +6906,7 @@
         </p:nvSpPr>
         <p:spPr>
           <a:xfrm>
-            <a:off x="71836" y="3462309"/>
+            <a:off x="259560" y="3462309"/>
             <a:ext cx="1532727" cy="369332"/>
           </a:xfrm>
           <a:prstGeom prst="rect">
@@ -6400,8 +6920,38 @@
           </a:bodyPr>
           <a:lstStyle/>
           <a:p>
+            <a:pPr marL="0" marR="0" lvl="0" indent="0" algn="l" defTabSz="914400" rtl="0" eaLnBrk="1" fontAlgn="auto" latinLnBrk="0" hangingPunct="1">
+              <a:lnSpc>
+                <a:spcPct val="100000"/>
+              </a:lnSpc>
+              <a:spcBef>
+                <a:spcPts val="0"/>
+              </a:spcBef>
+              <a:spcAft>
+                <a:spcPts val="0"/>
+              </a:spcAft>
+              <a:buClrTx/>
+              <a:buSzTx/>
+              <a:buFontTx/>
+              <a:buNone/>
+              <a:tabLst/>
+              <a:defRPr/>
+            </a:pPr>
             <a:r>
-              <a:rPr lang="en-US" dirty="0"/>
+              <a:rPr kumimoji="0" lang="en-US" sz="1800" b="0" i="0" u="none" strike="noStrike" kern="1200" cap="none" spc="0" normalizeH="0" baseline="0" noProof="0" dirty="0">
+                <a:ln>
+                  <a:noFill/>
+                </a:ln>
+                <a:solidFill>
+                  <a:srgbClr val="000000"/>
+                </a:solidFill>
+                <a:effectLst/>
+                <a:uLnTx/>
+                <a:uFillTx/>
+                <a:latin typeface="Avenir Next LT Pro" panose="020F0502020204030204"/>
+                <a:ea typeface="+mn-ea"/>
+                <a:cs typeface="+mn-cs"/>
+              </a:rPr>
               <a:t>Assignment 2</a:t>
             </a:r>
           </a:p>
@@ -6421,8 +6971,8 @@
         </p:nvSpPr>
         <p:spPr>
           <a:xfrm>
-            <a:off x="1604562" y="1311965"/>
-            <a:ext cx="5395327" cy="4810539"/>
+            <a:off x="1847551" y="1311965"/>
+            <a:ext cx="5152338" cy="4810539"/>
           </a:xfrm>
           <a:prstGeom prst="leftBrace">
             <a:avLst>
@@ -6454,8 +7004,37 @@
           <a:bodyPr rtlCol="0" anchor="ctr"/>
           <a:lstStyle/>
           <a:p>
-            <a:pPr algn="ctr"/>
-            <a:endParaRPr lang="en-US"/>
+            <a:pPr marL="0" marR="0" lvl="0" indent="0" algn="ctr" defTabSz="914400" rtl="0" eaLnBrk="1" fontAlgn="auto" latinLnBrk="0" hangingPunct="1">
+              <a:lnSpc>
+                <a:spcPct val="100000"/>
+              </a:lnSpc>
+              <a:spcBef>
+                <a:spcPts val="0"/>
+              </a:spcBef>
+              <a:spcAft>
+                <a:spcPts val="0"/>
+              </a:spcAft>
+              <a:buClrTx/>
+              <a:buSzTx/>
+              <a:buFontTx/>
+              <a:buNone/>
+              <a:tabLst/>
+              <a:defRPr/>
+            </a:pPr>
+            <a:endParaRPr kumimoji="0" lang="en-US" sz="1800" b="0" i="0" u="none" strike="noStrike" kern="1200" cap="none" spc="0" normalizeH="0" baseline="0" noProof="0">
+              <a:ln>
+                <a:noFill/>
+              </a:ln>
+              <a:solidFill>
+                <a:srgbClr val="000000"/>
+              </a:solidFill>
+              <a:effectLst/>
+              <a:uLnTx/>
+              <a:uFillTx/>
+              <a:latin typeface="Avenir Next LT Pro" panose="020F0502020204030204"/>
+              <a:ea typeface="+mn-ea"/>
+              <a:cs typeface="+mn-cs"/>
+            </a:endParaRPr>
           </a:p>
         </p:txBody>
       </p:sp>
@@ -6473,7 +7052,7 @@
         </p:nvSpPr>
         <p:spPr>
           <a:xfrm>
-            <a:off x="2180" y="2074140"/>
+            <a:off x="259558" y="2110474"/>
             <a:ext cx="1532727" cy="369332"/>
           </a:xfrm>
           <a:prstGeom prst="rect">
@@ -6487,9 +7066,117 @@
           </a:bodyPr>
           <a:lstStyle/>
           <a:p>
+            <a:pPr marL="0" marR="0" lvl="0" indent="0" algn="l" defTabSz="914400" rtl="0" eaLnBrk="1" fontAlgn="auto" latinLnBrk="0" hangingPunct="1">
+              <a:lnSpc>
+                <a:spcPct val="100000"/>
+              </a:lnSpc>
+              <a:spcBef>
+                <a:spcPts val="0"/>
+              </a:spcBef>
+              <a:spcAft>
+                <a:spcPts val="0"/>
+              </a:spcAft>
+              <a:buClrTx/>
+              <a:buSzTx/>
+              <a:buFontTx/>
+              <a:buNone/>
+              <a:tabLst/>
+              <a:defRPr/>
+            </a:pPr>
             <a:r>
-              <a:rPr lang="en-US" dirty="0"/>
+              <a:rPr kumimoji="0" lang="en-US" sz="1800" b="0" i="0" u="none" strike="noStrike" kern="1200" cap="none" spc="0" normalizeH="0" baseline="0" noProof="0" dirty="0">
+                <a:ln>
+                  <a:noFill/>
+                </a:ln>
+                <a:solidFill>
+                  <a:srgbClr val="000000"/>
+                </a:solidFill>
+                <a:effectLst/>
+                <a:uLnTx/>
+                <a:uFillTx/>
+                <a:latin typeface="Avenir Next LT Pro" panose="020F0502020204030204"/>
+                <a:ea typeface="+mn-ea"/>
+                <a:cs typeface="+mn-cs"/>
+              </a:rPr>
               <a:t>Assignment 3</a:t>
+            </a:r>
+          </a:p>
+        </p:txBody>
+      </p:sp>
+      <p:sp>
+        <p:nvSpPr>
+          <p:cNvPr id="2" name="Up Arrow 1">
+            <a:extLst>
+              <a:ext uri="{FF2B5EF4-FFF2-40B4-BE49-F238E27FC236}">
+                <a16:creationId xmlns:a16="http://schemas.microsoft.com/office/drawing/2014/main" id="{8AB1B8BB-15FC-02B5-69B2-AF96D4F0CC87}"/>
+              </a:ext>
+            </a:extLst>
+          </p:cNvPr>
+          <p:cNvSpPr/>
+          <p:nvPr/>
+        </p:nvSpPr>
+        <p:spPr>
+          <a:xfrm>
+            <a:off x="10500300" y="1311965"/>
+            <a:ext cx="1689520" cy="4810539"/>
+          </a:xfrm>
+          <a:prstGeom prst="upArrow">
+            <a:avLst/>
+          </a:prstGeom>
+        </p:spPr>
+        <p:style>
+          <a:lnRef idx="2">
+            <a:schemeClr val="accent1">
+              <a:shade val="15000"/>
+            </a:schemeClr>
+          </a:lnRef>
+          <a:fillRef idx="1">
+            <a:schemeClr val="accent1"/>
+          </a:fillRef>
+          <a:effectRef idx="0">
+            <a:schemeClr val="accent1"/>
+          </a:effectRef>
+          <a:fontRef idx="minor">
+            <a:schemeClr val="lt1"/>
+          </a:fontRef>
+        </p:style>
+        <p:txBody>
+          <a:bodyPr rtlCol="0" anchor="ctr"/>
+          <a:lstStyle/>
+          <a:p>
+            <a:pPr marL="0" marR="0" lvl="0" indent="0" algn="ctr" defTabSz="914400" rtl="0" eaLnBrk="1" fontAlgn="auto" latinLnBrk="0" hangingPunct="1">
+              <a:lnSpc>
+                <a:spcPct val="100000"/>
+              </a:lnSpc>
+              <a:spcBef>
+                <a:spcPts val="0"/>
+              </a:spcBef>
+              <a:spcAft>
+                <a:spcPts val="0"/>
+              </a:spcAft>
+              <a:buClrTx/>
+              <a:buSzTx/>
+              <a:buFontTx/>
+              <a:buNone/>
+              <a:tabLst/>
+              <a:defRPr/>
+            </a:pPr>
+            <a:r>
+              <a:rPr kumimoji="0" lang="en-US" sz="1800" b="0" i="0" u="none" strike="noStrike" kern="1200" cap="none" spc="0" normalizeH="0" baseline="0" noProof="0" dirty="0">
+                <a:ln>
+                  <a:noFill/>
+                </a:ln>
+                <a:solidFill>
+                  <a:srgbClr val="FFFFFF"/>
+                </a:solidFill>
+                <a:effectLst/>
+                <a:uLnTx/>
+                <a:uFillTx/>
+                <a:latin typeface="Avenir Next LT Pro" panose="020F0502020204030204"/>
+                <a:ea typeface="+mn-ea"/>
+                <a:cs typeface="+mn-cs"/>
+              </a:rPr>
+              <a:t>Time</a:t>
             </a:r>
           </a:p>
         </p:txBody>
@@ -6497,7 +7184,7 @@
     </p:spTree>
     <p:extLst>
       <p:ext uri="{BB962C8B-B14F-4D97-AF65-F5344CB8AC3E}">
-        <p14:creationId xmlns:p14="http://schemas.microsoft.com/office/powerpoint/2010/main" val="885628268"/>
+        <p14:creationId xmlns:p14="http://schemas.microsoft.com/office/powerpoint/2010/main" val="3796465396"/>
       </p:ext>
     </p:extLst>
   </p:cSld>
@@ -6508,54 +7195,54 @@
 </file>
 
 <file path=ppt/theme/theme1.xml><?xml version="1.0" encoding="utf-8"?>
-<a:theme xmlns:a="http://schemas.openxmlformats.org/drawingml/2006/main" name="Office Theme">
+<a:theme xmlns:a="http://schemas.openxmlformats.org/drawingml/2006/main" name="RetrospectVTI">
   <a:themeElements>
-    <a:clrScheme name="Office">
+    <a:clrScheme name="AnalogousFromDarkSeedLeftStep">
       <a:dk1>
-        <a:sysClr val="windowText" lastClr="000000"/>
+        <a:srgbClr val="000000"/>
       </a:dk1>
       <a:lt1>
-        <a:sysClr val="window" lastClr="FFFFFF"/>
+        <a:srgbClr val="FFFFFF"/>
       </a:lt1>
       <a:dk2>
-        <a:srgbClr val="0E2841"/>
+        <a:srgbClr val="243941"/>
       </a:dk2>
       <a:lt2>
-        <a:srgbClr val="E8E8E8"/>
+        <a:srgbClr val="E2E8E2"/>
       </a:lt2>
       <a:accent1>
-        <a:srgbClr val="156082"/>
+        <a:srgbClr val="D433DD"/>
       </a:accent1>
       <a:accent2>
-        <a:srgbClr val="E97132"/>
+        <a:srgbClr val="8937D0"/>
       </a:accent2>
       <a:accent3>
-        <a:srgbClr val="196B24"/>
+        <a:srgbClr val="5C4AE1"/>
       </a:accent3>
       <a:accent4>
-        <a:srgbClr val="0F9ED5"/>
+        <a:srgbClr val="2A5BCD"/>
       </a:accent4>
       <a:accent5>
-        <a:srgbClr val="A02B93"/>
+        <a:srgbClr val="33ADDD"/>
       </a:accent5>
       <a:accent6>
-        <a:srgbClr val="4EA72E"/>
+        <a:srgbClr val="1EB5A1"/>
       </a:accent6>
       <a:hlink>
-        <a:srgbClr val="467886"/>
+        <a:srgbClr val="3F86BF"/>
       </a:hlink>
       <a:folHlink>
-        <a:srgbClr val="96607D"/>
+        <a:srgbClr val="7F7F7F"/>
       </a:folHlink>
     </a:clrScheme>
-    <a:fontScheme name="Office">
+    <a:fontScheme name="Retrospect">
       <a:majorFont>
-        <a:latin typeface="Aptos Display" panose="02110004020202020204"/>
+        <a:latin typeface="Avenir Next LT Pro Light" panose="020F0302020204030204"/>
         <a:ea typeface=""/>
         <a:cs typeface=""/>
-        <a:font script="Jpan" typeface="游ゴシック Light"/>
+        <a:font script="Jpan" typeface="ＭＳ Ｐゴシック"/>
         <a:font script="Hang" typeface="맑은 고딕"/>
-        <a:font script="Hans" typeface="等线 Light"/>
+        <a:font script="Hans" typeface="宋体"/>
         <a:font script="Hant" typeface="新細明體"/>
         <a:font script="Arab" typeface="Times New Roman"/>
         <a:font script="Hebr" typeface="Times New Roman"/>
@@ -6583,31 +7270,14 @@
         <a:font script="Viet" typeface="Times New Roman"/>
         <a:font script="Uigh" typeface="Microsoft Uighur"/>
         <a:font script="Geor" typeface="Sylfaen"/>
-        <a:font script="Armn" typeface="Arial"/>
-        <a:font script="Bugi" typeface="Leelawadee UI"/>
-        <a:font script="Bopo" typeface="Microsoft JhengHei"/>
-        <a:font script="Java" typeface="Javanese Text"/>
-        <a:font script="Lisu" typeface="Segoe UI"/>
-        <a:font script="Mymr" typeface="Myanmar Text"/>
-        <a:font script="Nkoo" typeface="Ebrima"/>
-        <a:font script="Olck" typeface="Nirmala UI"/>
-        <a:font script="Osma" typeface="Ebrima"/>
-        <a:font script="Phag" typeface="Phagspa"/>
-        <a:font script="Syrn" typeface="Estrangelo Edessa"/>
-        <a:font script="Syrj" typeface="Estrangelo Edessa"/>
-        <a:font script="Syre" typeface="Estrangelo Edessa"/>
-        <a:font script="Sora" typeface="Nirmala UI"/>
-        <a:font script="Tale" typeface="Microsoft Tai Le"/>
-        <a:font script="Talu" typeface="Microsoft New Tai Lue"/>
-        <a:font script="Tfng" typeface="Ebrima"/>
       </a:majorFont>
       <a:minorFont>
-        <a:latin typeface="Aptos" panose="02110004020202020204"/>
+        <a:latin typeface="Avenir Next LT Pro" panose="020F0502020204030204"/>
         <a:ea typeface=""/>
         <a:cs typeface=""/>
-        <a:font script="Jpan" typeface="游ゴシック"/>
+        <a:font script="Jpan" typeface="ＭＳ Ｐゴシック"/>
         <a:font script="Hang" typeface="맑은 고딕"/>
-        <a:font script="Hans" typeface="等线"/>
+        <a:font script="Hans" typeface="宋体"/>
         <a:font script="Hant" typeface="新細明體"/>
         <a:font script="Arab" typeface="Arial"/>
         <a:font script="Hebr" typeface="Arial"/>
@@ -6635,26 +7305,9 @@
         <a:font script="Viet" typeface="Arial"/>
         <a:font script="Uigh" typeface="Microsoft Uighur"/>
         <a:font script="Geor" typeface="Sylfaen"/>
-        <a:font script="Armn" typeface="Arial"/>
-        <a:font script="Bugi" typeface="Leelawadee UI"/>
-        <a:font script="Bopo" typeface="Microsoft JhengHei"/>
-        <a:font script="Java" typeface="Javanese Text"/>
-        <a:font script="Lisu" typeface="Segoe UI"/>
-        <a:font script="Mymr" typeface="Myanmar Text"/>
-        <a:font script="Nkoo" typeface="Ebrima"/>
-        <a:font script="Olck" typeface="Nirmala UI"/>
-        <a:font script="Osma" typeface="Ebrima"/>
-        <a:font script="Phag" typeface="Phagspa"/>
-        <a:font script="Syrn" typeface="Estrangelo Edessa"/>
-        <a:font script="Syrj" typeface="Estrangelo Edessa"/>
-        <a:font script="Syre" typeface="Estrangelo Edessa"/>
-        <a:font script="Sora" typeface="Nirmala UI"/>
-        <a:font script="Tale" typeface="Microsoft Tai Le"/>
-        <a:font script="Talu" typeface="Microsoft New Tai Lue"/>
-        <a:font script="Tfng" typeface="Ebrima"/>
       </a:minorFont>
     </a:fontScheme>
-    <a:fmtScheme name="Office">
+    <a:fmtScheme name="Retrospect">
       <a:fillStyleLst>
         <a:solidFill>
           <a:schemeClr val="phClr"/>
@@ -6663,53 +7316,61 @@
           <a:gsLst>
             <a:gs pos="0">
               <a:schemeClr val="phClr">
-                <a:lumMod val="110000"/>
-                <a:satMod val="105000"/>
-                <a:tint val="67000"/>
+                <a:tint val="65000"/>
+                <a:shade val="92000"/>
+                <a:satMod val="130000"/>
               </a:schemeClr>
             </a:gs>
-            <a:gs pos="50000">
+            <a:gs pos="45000">
               <a:schemeClr val="phClr">
-                <a:lumMod val="105000"/>
-                <a:satMod val="103000"/>
-                <a:tint val="73000"/>
+                <a:tint val="60000"/>
+                <a:shade val="99000"/>
+                <a:satMod val="120000"/>
               </a:schemeClr>
             </a:gs>
             <a:gs pos="100000">
               <a:schemeClr val="phClr">
-                <a:lumMod val="105000"/>
-                <a:satMod val="109000"/>
-                <a:tint val="81000"/>
+                <a:tint val="55000"/>
+                <a:satMod val="140000"/>
               </a:schemeClr>
             </a:gs>
           </a:gsLst>
-          <a:lin ang="5400000" scaled="0"/>
+          <a:path path="circle">
+            <a:fillToRect l="100000" t="100000" r="100000" b="100000"/>
+          </a:path>
         </a:gradFill>
         <a:gradFill rotWithShape="1">
           <a:gsLst>
             <a:gs pos="0">
               <a:schemeClr val="phClr">
-                <a:satMod val="103000"/>
-                <a:lumMod val="102000"/>
-                <a:tint val="94000"/>
+                <a:shade val="85000"/>
+                <a:satMod val="130000"/>
               </a:schemeClr>
             </a:gs>
-            <a:gs pos="50000">
+            <a:gs pos="34000">
               <a:schemeClr val="phClr">
-                <a:satMod val="110000"/>
-                <a:lumMod val="100000"/>
-                <a:shade val="100000"/>
+                <a:shade val="87000"/>
+                <a:satMod val="125000"/>
+              </a:schemeClr>
+            </a:gs>
+            <a:gs pos="70000">
+              <a:schemeClr val="phClr">
+                <a:tint val="100000"/>
+                <a:shade val="90000"/>
+                <a:satMod val="130000"/>
               </a:schemeClr>
             </a:gs>
             <a:gs pos="100000">
               <a:schemeClr val="phClr">
-                <a:lumMod val="99000"/>
-                <a:satMod val="120000"/>
-                <a:shade val="78000"/>
+                <a:tint val="100000"/>
+                <a:shade val="100000"/>
+                <a:satMod val="110000"/>
               </a:schemeClr>
             </a:gs>
           </a:gsLst>
-          <a:lin ang="5400000" scaled="0"/>
+          <a:path path="circle">
+            <a:fillToRect l="100000" t="100000" r="100000" b="100000"/>
+          </a:path>
         </a:gradFill>
       </a:fillStyleLst>
       <a:lnStyleLst>
@@ -6718,21 +7379,18 @@
             <a:schemeClr val="phClr"/>
           </a:solidFill>
           <a:prstDash val="solid"/>
-          <a:miter lim="800000"/>
         </a:ln>
-        <a:ln w="19050" cap="flat" cmpd="sng" algn="ctr">
+        <a:ln w="15875" cap="flat" cmpd="sng" algn="ctr">
           <a:solidFill>
             <a:schemeClr val="phClr"/>
           </a:solidFill>
           <a:prstDash val="solid"/>
-          <a:miter lim="800000"/>
         </a:ln>
         <a:ln w="25400" cap="flat" cmpd="sng" algn="ctr">
           <a:solidFill>
             <a:schemeClr val="phClr"/>
           </a:solidFill>
           <a:prstDash val="solid"/>
-          <a:miter lim="800000"/>
         </a:ln>
       </a:lnStyleLst>
       <a:effectStyleLst>
@@ -6740,16 +7398,33 @@
           <a:effectLst/>
         </a:effectStyle>
         <a:effectStyle>
-          <a:effectLst/>
+          <a:effectLst>
+            <a:outerShdw blurRad="38100" dist="25400" dir="2700000" algn="br" rotWithShape="0">
+              <a:srgbClr val="000000">
+                <a:alpha val="60000"/>
+              </a:srgbClr>
+            </a:outerShdw>
+          </a:effectLst>
         </a:effectStyle>
         <a:effectStyle>
           <a:effectLst>
-            <a:outerShdw blurRad="57150" dist="19050" dir="5400000" algn="ctr" rotWithShape="0">
+            <a:outerShdw blurRad="44450" dist="25400" dir="2700000" algn="br" rotWithShape="0">
               <a:srgbClr val="000000">
-                <a:alpha val="63000"/>
+                <a:alpha val="60000"/>
               </a:srgbClr>
             </a:outerShdw>
           </a:effectLst>
+          <a:scene3d>
+            <a:camera prst="orthographicFront">
+              <a:rot lat="0" lon="0" rev="0"/>
+            </a:camera>
+            <a:lightRig rig="threePt" dir="t">
+              <a:rot lat="0" lon="0" rev="19800000"/>
+            </a:lightRig>
+          </a:scene3d>
+          <a:sp3d prstMaterial="flat">
+            <a:bevelT w="25400" h="31750"/>
+          </a:sp3d>
         </a:effectStyle>
       </a:effectStyleLst>
       <a:bgFillStyleLst>
@@ -6758,65 +7433,45 @@
         </a:solidFill>
         <a:solidFill>
           <a:schemeClr val="phClr">
-            <a:tint val="95000"/>
-            <a:satMod val="170000"/>
+            <a:tint val="90000"/>
+            <a:shade val="97000"/>
+            <a:satMod val="130000"/>
           </a:schemeClr>
         </a:solidFill>
         <a:gradFill rotWithShape="1">
           <a:gsLst>
             <a:gs pos="0">
               <a:schemeClr val="phClr">
-                <a:tint val="93000"/>
-                <a:satMod val="150000"/>
-                <a:shade val="98000"/>
-                <a:lumMod val="102000"/>
+                <a:tint val="96000"/>
+                <a:shade val="99000"/>
+                <a:satMod val="140000"/>
               </a:schemeClr>
             </a:gs>
-            <a:gs pos="50000">
+            <a:gs pos="65000">
               <a:schemeClr val="phClr">
-                <a:tint val="98000"/>
+                <a:tint val="100000"/>
+                <a:shade val="80000"/>
                 <a:satMod val="130000"/>
-                <a:shade val="90000"/>
-                <a:lumMod val="103000"/>
               </a:schemeClr>
             </a:gs>
             <a:gs pos="100000">
               <a:schemeClr val="phClr">
-                <a:shade val="63000"/>
+                <a:tint val="100000"/>
+                <a:shade val="48000"/>
                 <a:satMod val="120000"/>
               </a:schemeClr>
             </a:gs>
           </a:gsLst>
-          <a:lin ang="5400000" scaled="0"/>
+          <a:lin ang="16200000" scaled="0"/>
         </a:gradFill>
       </a:bgFillStyleLst>
     </a:fmtScheme>
   </a:themeElements>
-  <a:objectDefaults>
-    <a:lnDef>
-      <a:spPr/>
-      <a:bodyPr/>
-      <a:lstStyle/>
-      <a:style>
-        <a:lnRef idx="2">
-          <a:schemeClr val="accent1"/>
-        </a:lnRef>
-        <a:fillRef idx="0">
-          <a:schemeClr val="accent1"/>
-        </a:fillRef>
-        <a:effectRef idx="1">
-          <a:schemeClr val="accent1"/>
-        </a:effectRef>
-        <a:fontRef idx="minor">
-          <a:schemeClr val="tx1"/>
-        </a:fontRef>
-      </a:style>
-    </a:lnDef>
-  </a:objectDefaults>
+  <a:objectDefaults/>
   <a:extraClrSchemeLst/>
   <a:extLst>
     <a:ext uri="{05A4C25C-085E-4340-85A3-A5531E510DB2}">
-      <thm15:themeFamily xmlns:thm15="http://schemas.microsoft.com/office/thememl/2012/main" name="Office Theme" id="{2E142A2C-CD16-42D6-873A-C26D2A0506FA}" vid="{1BDDFF52-6CD6-40A5-AB3C-68EB2F1E4D0A}"/>
+      <thm15:themeFamily xmlns:thm15="http://schemas.microsoft.com/office/thememl/2012/main" name="RetrospectVTI" id="{ABE3C30C-0FC0-4450-828E-52DE70F1BCCB}" vid="{A6E2497D-935A-4CFD-B9FD-6DCB15FA68BF}"/>
     </a:ext>
   </a:extLst>
 </a:theme>
